--- a/4-3 methods of solution.pptx
+++ b/4-3 methods of solution.pptx
@@ -690,7 +690,7 @@
           <a:p>
             <a:fld id="{53F27C3A-485C-4903-9BB5-487A74734653}" type="datetimeFigureOut">
               <a:rPr lang="zh-CN" altLang="en-US" smtClean="0"/>
-              <a:t>2019/4/10</a:t>
+              <a:t>2019/4/11</a:t>
             </a:fld>
             <a:endParaRPr lang="zh-CN" altLang="en-US"/>
           </a:p>
@@ -855,7 +855,7 @@
           <a:p>
             <a:fld id="{53F27C3A-485C-4903-9BB5-487A74734653}" type="datetimeFigureOut">
               <a:rPr lang="zh-CN" altLang="en-US" smtClean="0"/>
-              <a:t>2019/4/10</a:t>
+              <a:t>2019/4/11</a:t>
             </a:fld>
             <a:endParaRPr lang="zh-CN" altLang="en-US"/>
           </a:p>
@@ -1030,7 +1030,7 @@
           <a:p>
             <a:fld id="{53F27C3A-485C-4903-9BB5-487A74734653}" type="datetimeFigureOut">
               <a:rPr lang="zh-CN" altLang="en-US" smtClean="0"/>
-              <a:t>2019/4/10</a:t>
+              <a:t>2019/4/11</a:t>
             </a:fld>
             <a:endParaRPr lang="zh-CN" altLang="en-US"/>
           </a:p>
@@ -1380,7 +1380,7 @@
           <a:p>
             <a:fld id="{53F27C3A-485C-4903-9BB5-487A74734653}" type="datetimeFigureOut">
               <a:rPr lang="zh-CN" altLang="en-US" smtClean="0"/>
-              <a:t>2019/4/10</a:t>
+              <a:t>2019/4/11</a:t>
             </a:fld>
             <a:endParaRPr lang="zh-CN" altLang="en-US"/>
           </a:p>
@@ -1742,7 +1742,7 @@
           <a:p>
             <a:fld id="{53F27C3A-485C-4903-9BB5-487A74734653}" type="datetimeFigureOut">
               <a:rPr lang="zh-CN" altLang="en-US" smtClean="0"/>
-              <a:t>2019/4/10</a:t>
+              <a:t>2019/4/11</a:t>
             </a:fld>
             <a:endParaRPr lang="zh-CN" altLang="en-US"/>
           </a:p>
@@ -1855,7 +1855,7 @@
           <a:p>
             <a:fld id="{53F27C3A-485C-4903-9BB5-487A74734653}" type="datetimeFigureOut">
               <a:rPr lang="zh-CN" altLang="en-US" smtClean="0"/>
-              <a:t>2019/4/10</a:t>
+              <a:t>2019/4/11</a:t>
             </a:fld>
             <a:endParaRPr lang="zh-CN" altLang="en-US"/>
           </a:p>
@@ -1945,7 +1945,7 @@
           <a:p>
             <a:fld id="{53F27C3A-485C-4903-9BB5-487A74734653}" type="datetimeFigureOut">
               <a:rPr lang="zh-CN" altLang="en-US" smtClean="0"/>
-              <a:t>2019/4/10</a:t>
+              <a:t>2019/4/11</a:t>
             </a:fld>
             <a:endParaRPr lang="zh-CN" altLang="en-US"/>
           </a:p>
@@ -2217,7 +2217,7 @@
           <a:p>
             <a:fld id="{53F27C3A-485C-4903-9BB5-487A74734653}" type="datetimeFigureOut">
               <a:rPr lang="zh-CN" altLang="en-US" smtClean="0"/>
-              <a:t>2019/4/10</a:t>
+              <a:t>2019/4/11</a:t>
             </a:fld>
             <a:endParaRPr lang="zh-CN" altLang="en-US"/>
           </a:p>
@@ -2469,7 +2469,7 @@
           <a:p>
             <a:fld id="{53F27C3A-485C-4903-9BB5-487A74734653}" type="datetimeFigureOut">
               <a:rPr lang="zh-CN" altLang="en-US" smtClean="0"/>
-              <a:t>2019/4/10</a:t>
+              <a:t>2019/4/11</a:t>
             </a:fld>
             <a:endParaRPr lang="zh-CN" altLang="en-US"/>
           </a:p>
@@ -2677,7 +2677,7 @@
           <a:p>
             <a:fld id="{53F27C3A-485C-4903-9BB5-487A74734653}" type="datetimeFigureOut">
               <a:rPr lang="zh-CN" altLang="en-US" smtClean="0"/>
-              <a:t>2019/4/10</a:t>
+              <a:t>2019/4/11</a:t>
             </a:fld>
             <a:endParaRPr lang="zh-CN" altLang="en-US"/>
           </a:p>
@@ -4877,7 +4877,7 @@
         <p:spPr>
           <a:xfrm>
             <a:off x="301554" y="958799"/>
-            <a:ext cx="8540885" cy="2225041"/>
+            <a:ext cx="8540885" cy="2308324"/>
           </a:xfrm>
           <a:prstGeom prst="rect">
             <a:avLst/>
@@ -4893,15 +4893,111 @@
             <a:pPr indent="457200" algn="just"/>
             <a:r>
               <a:rPr lang="en-US" altLang="zh-CN" sz="2400" dirty="0"/>
-              <a:t>Huge advances have recently occurred in the technology of digital computers, especially with regard to memory capacity and speed. These facts, coupled with the application of sparse matrix techniques to facilitate the inversion of large matrices, have virtually eliminated the drawbacks that at an earlier time were formidable for the Newton-</a:t>
-            </a:r>
-            <a:r>
-              <a:rPr lang="en-US" altLang="zh-CN" sz="2400" dirty="0" err="1"/>
-              <a:t>Raphson</a:t>
+              <a:t>Huge advances </a:t>
+            </a:r>
+            <a:r>
+              <a:rPr lang="en-US" altLang="zh-CN" sz="2400" b="1" i="1" dirty="0">
+                <a:effectLst>
+                  <a:outerShdw blurRad="38100" dist="38100" dir="2700000" algn="tl">
+                    <a:srgbClr val="000000">
+                      <a:alpha val="43137"/>
+                    </a:srgbClr>
+                  </a:outerShdw>
+                </a:effectLst>
+              </a:rPr>
+              <a:t>have recently occurred</a:t>
             </a:r>
             <a:r>
               <a:rPr lang="en-US" altLang="zh-CN" sz="2400" dirty="0"/>
-              <a:t> method. </a:t>
+              <a:t> in the technology of digital computers, especially with regard to memory capacity and speed. These facts, </a:t>
+            </a:r>
+            <a:r>
+              <a:rPr lang="en-US" altLang="zh-CN" sz="2400" dirty="0">
+                <a:solidFill>
+                  <a:schemeClr val="accent1">
+                    <a:lumMod val="75000"/>
+                  </a:schemeClr>
+                </a:solidFill>
+              </a:rPr>
+              <a:t>(</a:t>
+            </a:r>
+            <a:r>
+              <a:rPr lang="en-US" altLang="zh-CN" sz="2400" dirty="0" smtClean="0"/>
+              <a:t>coupled </a:t>
+            </a:r>
+            <a:r>
+              <a:rPr lang="en-US" altLang="zh-CN" sz="2400" dirty="0"/>
+              <a:t>with the application of sparse matrix techniques to facilitate the inversion of large </a:t>
+            </a:r>
+            <a:r>
+              <a:rPr lang="en-US" altLang="zh-CN" sz="2400" dirty="0" smtClean="0"/>
+              <a:t>matrices</a:t>
+            </a:r>
+            <a:r>
+              <a:rPr lang="en-US" altLang="zh-CN" sz="2400" dirty="0" smtClean="0">
+                <a:solidFill>
+                  <a:schemeClr val="accent1">
+                    <a:lumMod val="75000"/>
+                  </a:schemeClr>
+                </a:solidFill>
+              </a:rPr>
+              <a:t>)</a:t>
+            </a:r>
+            <a:r>
+              <a:rPr lang="en-US" altLang="zh-CN" sz="2400" dirty="0" smtClean="0"/>
+              <a:t>, </a:t>
+            </a:r>
+            <a:r>
+              <a:rPr lang="en-US" altLang="zh-CN" sz="2400" b="1" i="1" dirty="0">
+                <a:effectLst>
+                  <a:outerShdw blurRad="38100" dist="38100" dir="2700000" algn="tl">
+                    <a:srgbClr val="000000">
+                      <a:alpha val="43137"/>
+                    </a:srgbClr>
+                  </a:outerShdw>
+                </a:effectLst>
+              </a:rPr>
+              <a:t>have virtually eliminated</a:t>
+            </a:r>
+            <a:r>
+              <a:rPr lang="en-US" altLang="zh-CN" sz="2400" dirty="0"/>
+              <a:t> the drawbacks </a:t>
+            </a:r>
+            <a:r>
+              <a:rPr lang="en-US" altLang="zh-CN" sz="2400" dirty="0" smtClean="0">
+                <a:solidFill>
+                  <a:schemeClr val="accent1">
+                    <a:lumMod val="75000"/>
+                  </a:schemeClr>
+                </a:solidFill>
+              </a:rPr>
+              <a:t>(</a:t>
+            </a:r>
+            <a:r>
+              <a:rPr lang="en-US" altLang="zh-CN" sz="2400" dirty="0" smtClean="0"/>
+              <a:t>that </a:t>
+            </a:r>
+            <a:r>
+              <a:rPr lang="en-US" altLang="zh-CN" sz="2400" dirty="0"/>
+              <a:t>at an earlier time were formidable for the Newton-Raphson </a:t>
+            </a:r>
+            <a:r>
+              <a:rPr lang="en-US" altLang="zh-CN" sz="2400" dirty="0" smtClean="0"/>
+              <a:t>method</a:t>
+            </a:r>
+            <a:r>
+              <a:rPr lang="en-US" altLang="zh-CN" sz="2400" dirty="0" smtClean="0">
+                <a:solidFill>
+                  <a:schemeClr val="accent1">
+                    <a:lumMod val="75000"/>
+                  </a:schemeClr>
+                </a:solidFill>
+              </a:rPr>
+              <a:t>)</a:t>
+            </a:r>
+            <a:r>
+              <a:rPr lang="en-US" altLang="zh-CN" sz="2400" dirty="0" smtClean="0"/>
+              <a:t>. </a:t>
             </a:r>
             <a:endParaRPr lang="zh-CN" altLang="zh-CN" sz="2400" dirty="0"/>
           </a:p>
@@ -4979,8 +5075,8 @@
         </p:nvSpPr>
         <p:spPr>
           <a:xfrm>
-            <a:off x="310693" y="3219450"/>
-            <a:ext cx="8454356" cy="1767839"/>
+            <a:off x="301554" y="3267123"/>
+            <a:ext cx="8454356" cy="1815882"/>
           </a:xfrm>
           <a:prstGeom prst="rect">
             <a:avLst/>
@@ -4993,13 +5089,166 @@
           <a:lstStyle/>
           <a:p>
             <a:r>
-              <a:rPr lang="zh-CN" sz="2800">
+              <a:rPr lang="zh-CN" sz="2800" dirty="0">
                 <a:solidFill>
                   <a:srgbClr val="000000"/>
                 </a:solidFill>
               </a:rPr>
-              <a:t>数字计算机技术最近取得了巨大的进步，特别是在存储容量和速度方面。这些事实，再加上稀疏矩阵技术的应用，以促进大矩阵的反演，几乎消除了早期牛顿-拉斐逊方法难以克服的缺点。</a:t>
-            </a:r>
+              <a:t>数字计算机技术最近取得了巨大的进步，特别是在存储容量和速度方面。这些事实，再加上稀疏矩阵</a:t>
+            </a:r>
+            <a:r>
+              <a:rPr lang="zh-CN" sz="2800" dirty="0" smtClean="0">
+                <a:solidFill>
+                  <a:srgbClr val="000000"/>
+                </a:solidFill>
+              </a:rPr>
+              <a:t>技术</a:t>
+            </a:r>
+            <a:r>
+              <a:rPr lang="zh-CN" altLang="en-US" sz="2800" dirty="0" smtClean="0">
+                <a:solidFill>
+                  <a:srgbClr val="000000"/>
+                </a:solidFill>
+              </a:rPr>
+              <a:t>对简化大矩阵转置运算</a:t>
+            </a:r>
+            <a:r>
+              <a:rPr lang="zh-CN" altLang="zh-CN" sz="2800" dirty="0" smtClean="0">
+                <a:solidFill>
+                  <a:srgbClr val="000000"/>
+                </a:solidFill>
+              </a:rPr>
+              <a:t>的</a:t>
+            </a:r>
+            <a:r>
+              <a:rPr lang="zh-CN" altLang="zh-CN" sz="2800" dirty="0">
+                <a:solidFill>
+                  <a:srgbClr val="000000"/>
+                </a:solidFill>
+              </a:rPr>
+              <a:t>应用</a:t>
+            </a:r>
+            <a:r>
+              <a:rPr lang="zh-CN" sz="2800" dirty="0" smtClean="0">
+                <a:solidFill>
+                  <a:srgbClr val="000000"/>
+                </a:solidFill>
+              </a:rPr>
+              <a:t>，</a:t>
+            </a:r>
+            <a:r>
+              <a:rPr lang="zh-CN" altLang="en-US" sz="2800" dirty="0" smtClean="0">
+                <a:solidFill>
+                  <a:srgbClr val="000000"/>
+                </a:solidFill>
+              </a:rPr>
+              <a:t>实际上</a:t>
+            </a:r>
+            <a:r>
+              <a:rPr lang="zh-CN" sz="2800" dirty="0" smtClean="0">
+                <a:solidFill>
+                  <a:srgbClr val="000000"/>
+                </a:solidFill>
+              </a:rPr>
+              <a:t>几乎</a:t>
+            </a:r>
+            <a:r>
+              <a:rPr lang="zh-CN" altLang="en-US" sz="2800" dirty="0" smtClean="0">
+                <a:solidFill>
+                  <a:srgbClr val="000000"/>
+                </a:solidFill>
+              </a:rPr>
+              <a:t>已经</a:t>
+            </a:r>
+            <a:r>
+              <a:rPr lang="zh-CN" sz="2800" dirty="0" smtClean="0">
+                <a:solidFill>
+                  <a:srgbClr val="000000"/>
+                </a:solidFill>
+              </a:rPr>
+              <a:t>消除</a:t>
+            </a:r>
+            <a:r>
+              <a:rPr lang="zh-CN" sz="2800" dirty="0">
+                <a:solidFill>
+                  <a:srgbClr val="000000"/>
+                </a:solidFill>
+              </a:rPr>
+              <a:t>了早期牛顿-拉斐逊方法难以克服的缺点。</a:t>
+            </a:r>
+          </a:p>
+        </p:txBody>
+      </p:sp>
+      <p:sp>
+        <p:nvSpPr>
+          <p:cNvPr id="2" name="TextBox 1"/>
+          <p:cNvSpPr txBox="1"/>
+          <p:nvPr/>
+        </p:nvSpPr>
+        <p:spPr>
+          <a:xfrm>
+            <a:off x="448024" y="5226233"/>
+            <a:ext cx="6456511" cy="830997"/>
+          </a:xfrm>
+          <a:prstGeom prst="rect">
+            <a:avLst/>
+          </a:prstGeom>
+          <a:noFill/>
+        </p:spPr>
+        <p:txBody>
+          <a:bodyPr wrap="none" rtlCol="0">
+            <a:spAutoFit/>
+          </a:bodyPr>
+          <a:lstStyle/>
+          <a:p>
+            <a:r>
+              <a:rPr lang="en-US" altLang="zh-CN" sz="2400" dirty="0" smtClean="0"/>
+              <a:t>Sparse matrix  </a:t>
+            </a:r>
+            <a:r>
+              <a:rPr lang="zh-CN" altLang="en-US" sz="2400" dirty="0" smtClean="0"/>
+              <a:t>稀疏矩阵</a:t>
+            </a:r>
+            <a:r>
+              <a:rPr lang="en-US" altLang="zh-CN" sz="2400" dirty="0"/>
+              <a:t> </a:t>
+            </a:r>
+            <a:r>
+              <a:rPr lang="en-US" altLang="zh-CN" sz="2400" dirty="0" smtClean="0"/>
+              <a:t>                   Inversion </a:t>
+            </a:r>
+            <a:r>
+              <a:rPr lang="zh-CN" altLang="en-US" sz="2400" dirty="0" smtClean="0"/>
+              <a:t>转置</a:t>
+            </a:r>
+            <a:endParaRPr lang="en-US" altLang="zh-CN" sz="2400" dirty="0"/>
+          </a:p>
+          <a:p>
+            <a:r>
+              <a:rPr lang="en-US" altLang="zh-CN" sz="2400" dirty="0"/>
+              <a:t>Newton-Raphson </a:t>
+            </a:r>
+            <a:r>
+              <a:rPr lang="en-US" altLang="zh-CN" sz="2400" dirty="0" smtClean="0"/>
+              <a:t>method    </a:t>
+            </a:r>
+            <a:r>
+              <a:rPr lang="zh-CN" altLang="zh-CN" sz="2400" dirty="0" smtClean="0">
+                <a:solidFill>
+                  <a:srgbClr val="000000"/>
+                </a:solidFill>
+              </a:rPr>
+              <a:t>牛顿</a:t>
+            </a:r>
+            <a:r>
+              <a:rPr lang="zh-CN" altLang="zh-CN" sz="2400" dirty="0">
+                <a:solidFill>
+                  <a:srgbClr val="000000"/>
+                </a:solidFill>
+              </a:rPr>
+              <a:t>-拉斐逊方法</a:t>
+            </a:r>
+            <a:endParaRPr lang="zh-CN" altLang="en-US" sz="2400" dirty="0"/>
           </a:p>
         </p:txBody>
       </p:sp>
@@ -5485,7 +5734,7 @@
         <p:spPr>
           <a:xfrm>
             <a:off x="301554" y="1076245"/>
-            <a:ext cx="8540885" cy="2225040"/>
+            <a:ext cx="8540885" cy="1938992"/>
           </a:xfrm>
           <a:prstGeom prst="rect">
             <a:avLst/>
@@ -5501,23 +5750,155 @@
             <a:pPr indent="457200" algn="just"/>
             <a:r>
               <a:rPr lang="en-US" altLang="zh-CN" sz="2400" dirty="0"/>
-              <a:t>The Newton-</a:t>
-            </a:r>
-            <a:r>
-              <a:rPr lang="en-US" altLang="zh-CN" sz="2400" dirty="0" err="1"/>
-              <a:t>Raphson</a:t>
+              <a:t>The Newton-Raphson method </a:t>
+            </a:r>
+            <a:r>
+              <a:rPr lang="en-US" altLang="zh-CN" sz="2400" b="1" i="1" dirty="0">
+                <a:effectLst>
+                  <a:outerShdw blurRad="38100" dist="38100" dir="2700000" algn="tl">
+                    <a:srgbClr val="000000">
+                      <a:alpha val="43137"/>
+                    </a:srgbClr>
+                  </a:outerShdw>
+                </a:effectLst>
+              </a:rPr>
+              <a:t>has</a:t>
             </a:r>
             <a:r>
               <a:rPr lang="en-US" altLang="zh-CN" sz="2400" dirty="0"/>
-              <a:t> method has the feature of less iterating times requirement and fast-converging. But a review of the analysis and procedures of the Newton-</a:t>
-            </a:r>
-            <a:r>
-              <a:rPr lang="en-US" altLang="zh-CN" sz="2400" dirty="0" err="1"/>
-              <a:t>Raphson</a:t>
+              <a:t> the feature of </a:t>
+            </a:r>
+            <a:r>
+              <a:rPr lang="en-US" altLang="zh-CN" sz="2400" u="sng" dirty="0"/>
+              <a:t>less iterating times requirement</a:t>
             </a:r>
             <a:r>
               <a:rPr lang="en-US" altLang="zh-CN" sz="2400" dirty="0"/>
-              <a:t> method of solving the power flow equations makes it evident that a significant amount of manipulation of matrices at each iteration is required. </a:t>
+              <a:t> </a:t>
+            </a:r>
+            <a:r>
+              <a:rPr lang="en-US" altLang="zh-CN" sz="2400" i="1" dirty="0"/>
+              <a:t>and</a:t>
+            </a:r>
+            <a:r>
+              <a:rPr lang="en-US" altLang="zh-CN" sz="2400" dirty="0"/>
+              <a:t> </a:t>
+            </a:r>
+            <a:r>
+              <a:rPr lang="en-US" altLang="zh-CN" sz="2400" u="sng" dirty="0"/>
+              <a:t>fast-convergin</a:t>
+            </a:r>
+            <a:r>
+              <a:rPr lang="en-US" altLang="zh-CN" sz="2400" dirty="0"/>
+              <a:t>g. But a review </a:t>
+            </a:r>
+            <a:r>
+              <a:rPr lang="en-US" altLang="zh-CN" sz="2400" dirty="0" smtClean="0">
+                <a:solidFill>
+                  <a:schemeClr val="accent1">
+                    <a:lumMod val="75000"/>
+                  </a:schemeClr>
+                </a:solidFill>
+              </a:rPr>
+              <a:t>(</a:t>
+            </a:r>
+            <a:r>
+              <a:rPr lang="en-US" altLang="zh-CN" sz="2400" dirty="0" smtClean="0"/>
+              <a:t>of </a:t>
+            </a:r>
+            <a:r>
+              <a:rPr lang="en-US" altLang="zh-CN" sz="2400" u="sng" dirty="0"/>
+              <a:t>the analysis</a:t>
+            </a:r>
+            <a:r>
+              <a:rPr lang="en-US" altLang="zh-CN" sz="2400" dirty="0"/>
+              <a:t> </a:t>
+            </a:r>
+            <a:r>
+              <a:rPr lang="en-US" altLang="zh-CN" sz="2400" i="1" dirty="0"/>
+              <a:t>and</a:t>
+            </a:r>
+            <a:r>
+              <a:rPr lang="en-US" altLang="zh-CN" sz="2400" dirty="0"/>
+              <a:t> </a:t>
+            </a:r>
+            <a:r>
+              <a:rPr lang="en-US" altLang="zh-CN" sz="2400" u="sng" dirty="0"/>
+              <a:t>procedures</a:t>
+            </a:r>
+            <a:r>
+              <a:rPr lang="en-US" altLang="zh-CN" sz="2400" dirty="0"/>
+              <a:t> of the Newton-Raphson method of solving the power flow </a:t>
+            </a:r>
+            <a:r>
+              <a:rPr lang="en-US" altLang="zh-CN" sz="2400" dirty="0" smtClean="0"/>
+              <a:t>equations</a:t>
+            </a:r>
+            <a:r>
+              <a:rPr lang="en-US" altLang="zh-CN" sz="2400" dirty="0" smtClean="0">
+                <a:solidFill>
+                  <a:schemeClr val="accent1">
+                    <a:lumMod val="75000"/>
+                  </a:schemeClr>
+                </a:solidFill>
+              </a:rPr>
+              <a:t>)</a:t>
+            </a:r>
+            <a:r>
+              <a:rPr lang="en-US" altLang="zh-CN" sz="2400" dirty="0" smtClean="0"/>
+              <a:t> </a:t>
+            </a:r>
+            <a:r>
+              <a:rPr lang="en-US" altLang="zh-CN" sz="2400" b="1" i="1" dirty="0">
+                <a:effectLst>
+                  <a:outerShdw blurRad="38100" dist="38100" dir="2700000" algn="tl">
+                    <a:srgbClr val="000000">
+                      <a:alpha val="43137"/>
+                    </a:srgbClr>
+                  </a:outerShdw>
+                </a:effectLst>
+              </a:rPr>
+              <a:t>makes</a:t>
+            </a:r>
+            <a:r>
+              <a:rPr lang="en-US" altLang="zh-CN" sz="2400" dirty="0"/>
+              <a:t> it evident </a:t>
+            </a:r>
+            <a:r>
+              <a:rPr lang="en-US" altLang="zh-CN" sz="2400" dirty="0" smtClean="0">
+                <a:solidFill>
+                  <a:schemeClr val="accent1">
+                    <a:lumMod val="75000"/>
+                  </a:schemeClr>
+                </a:solidFill>
+              </a:rPr>
+              <a:t>(</a:t>
+            </a:r>
+            <a:r>
+              <a:rPr lang="en-US" altLang="zh-CN" sz="2400" dirty="0" smtClean="0"/>
+              <a:t>that </a:t>
+            </a:r>
+            <a:r>
+              <a:rPr lang="en-US" altLang="zh-CN" sz="2400" dirty="0"/>
+              <a:t>a significant amount of manipulation of matrices at each iteration is </a:t>
+            </a:r>
+            <a:r>
+              <a:rPr lang="en-US" altLang="zh-CN" sz="2400" dirty="0" smtClean="0"/>
+              <a:t>required</a:t>
+            </a:r>
+            <a:r>
+              <a:rPr lang="en-US" altLang="zh-CN" sz="2400" dirty="0" smtClean="0">
+                <a:solidFill>
+                  <a:schemeClr val="accent1">
+                    <a:lumMod val="75000"/>
+                  </a:schemeClr>
+                </a:solidFill>
+              </a:rPr>
+              <a:t>)</a:t>
+            </a:r>
+            <a:r>
+              <a:rPr lang="en-US" altLang="zh-CN" sz="2400" dirty="0" smtClean="0"/>
+              <a:t>. </a:t>
             </a:r>
             <a:endParaRPr lang="zh-CN" altLang="zh-CN" sz="2400" dirty="0"/>
           </a:p>
@@ -5595,8 +5976,8 @@
         </p:nvSpPr>
         <p:spPr>
           <a:xfrm>
-            <a:off x="178508" y="3523089"/>
-            <a:ext cx="8541817" cy="1348739"/>
+            <a:off x="178508" y="3372087"/>
+            <a:ext cx="8541817" cy="1384995"/>
           </a:xfrm>
           <a:prstGeom prst="rect">
             <a:avLst/>
@@ -5609,13 +5990,157 @@
           <a:lstStyle/>
           <a:p>
             <a:r>
-              <a:rPr lang="zh-CN" sz="2800">
+              <a:rPr lang="zh-CN" sz="2800" dirty="0">
                 <a:solidFill>
                   <a:srgbClr val="000000"/>
                 </a:solidFill>
               </a:rPr>
-              <a:t>牛顿-拉斐逊法具有迭代次数少、收敛速度快的特点。但是，对牛顿-拉斐逊法求解功率流方程的分析和程序的回顾表明，每次迭代都需要大量的矩阵操作。</a:t>
-            </a:r>
+              <a:t>牛顿-拉斐逊法具有迭代次数少、</a:t>
+            </a:r>
+            <a:r>
+              <a:rPr lang="zh-CN" sz="2800" dirty="0" smtClean="0">
+                <a:solidFill>
+                  <a:srgbClr val="000000"/>
+                </a:solidFill>
+              </a:rPr>
+              <a:t>收敛</a:t>
+            </a:r>
+            <a:r>
+              <a:rPr lang="zh-CN" altLang="en-US" sz="2800" dirty="0" smtClean="0">
+                <a:solidFill>
+                  <a:srgbClr val="000000"/>
+                </a:solidFill>
+              </a:rPr>
+              <a:t>快</a:t>
+            </a:r>
+            <a:r>
+              <a:rPr lang="zh-CN" sz="2800" dirty="0" smtClean="0">
+                <a:solidFill>
+                  <a:srgbClr val="000000"/>
+                </a:solidFill>
+              </a:rPr>
+              <a:t>的</a:t>
+            </a:r>
+            <a:r>
+              <a:rPr lang="zh-CN" sz="2800" dirty="0">
+                <a:solidFill>
+                  <a:srgbClr val="000000"/>
+                </a:solidFill>
+              </a:rPr>
+              <a:t>特点。但是，对牛顿-拉斐逊法</a:t>
+            </a:r>
+            <a:r>
+              <a:rPr lang="zh-CN" sz="2800" dirty="0" smtClean="0">
+                <a:solidFill>
+                  <a:srgbClr val="000000"/>
+                </a:solidFill>
+              </a:rPr>
+              <a:t>求解</a:t>
+            </a:r>
+            <a:r>
+              <a:rPr lang="zh-CN" altLang="en-US" sz="2800" dirty="0" smtClean="0">
+                <a:solidFill>
+                  <a:srgbClr val="000000"/>
+                </a:solidFill>
+              </a:rPr>
+              <a:t>电力潮流</a:t>
+            </a:r>
+            <a:r>
+              <a:rPr lang="zh-CN" sz="2800" dirty="0" smtClean="0">
+                <a:solidFill>
+                  <a:srgbClr val="000000"/>
+                </a:solidFill>
+              </a:rPr>
+              <a:t>方程</a:t>
+            </a:r>
+            <a:r>
+              <a:rPr lang="zh-CN" sz="2800" dirty="0">
+                <a:solidFill>
+                  <a:srgbClr val="000000"/>
+                </a:solidFill>
+              </a:rPr>
+              <a:t>的分析和程序的回顾表明，每次迭代都需要大量的矩阵操作。</a:t>
+            </a:r>
+          </a:p>
+        </p:txBody>
+      </p:sp>
+      <p:sp>
+        <p:nvSpPr>
+          <p:cNvPr id="2" name="TextBox 1"/>
+          <p:cNvSpPr txBox="1"/>
+          <p:nvPr/>
+        </p:nvSpPr>
+        <p:spPr>
+          <a:xfrm>
+            <a:off x="301554" y="5096283"/>
+            <a:ext cx="4267771" cy="1107996"/>
+          </a:xfrm>
+          <a:prstGeom prst="rect">
+            <a:avLst/>
+          </a:prstGeom>
+          <a:noFill/>
+        </p:spPr>
+        <p:txBody>
+          <a:bodyPr wrap="none" rtlCol="0">
+            <a:spAutoFit/>
+          </a:bodyPr>
+          <a:lstStyle/>
+          <a:p>
+            <a:r>
+              <a:rPr lang="en-US" altLang="zh-CN" sz="2400" dirty="0" smtClean="0">
+                <a:solidFill>
+                  <a:prstClr val="black"/>
+                </a:solidFill>
+              </a:rPr>
+              <a:t>Power </a:t>
+            </a:r>
+            <a:r>
+              <a:rPr lang="en-US" altLang="zh-CN" sz="2400" dirty="0">
+                <a:solidFill>
+                  <a:prstClr val="black"/>
+                </a:solidFill>
+              </a:rPr>
+              <a:t>flow </a:t>
+            </a:r>
+            <a:r>
+              <a:rPr lang="en-US" altLang="zh-CN" sz="2400" dirty="0" smtClean="0">
+                <a:solidFill>
+                  <a:prstClr val="black"/>
+                </a:solidFill>
+              </a:rPr>
+              <a:t>equations  </a:t>
+            </a:r>
+            <a:r>
+              <a:rPr lang="zh-CN" altLang="en-US" sz="2400" dirty="0" smtClean="0">
+                <a:solidFill>
+                  <a:prstClr val="black"/>
+                </a:solidFill>
+              </a:rPr>
+              <a:t>电力潮流</a:t>
+            </a:r>
+            <a:endParaRPr lang="en-US" altLang="zh-CN" sz="2400" dirty="0">
+              <a:solidFill>
+                <a:prstClr val="black"/>
+              </a:solidFill>
+            </a:endParaRPr>
+          </a:p>
+          <a:p>
+            <a:r>
+              <a:rPr lang="en-US" altLang="zh-CN" sz="2400" dirty="0" smtClean="0"/>
+              <a:t>Manipulation  </a:t>
+            </a:r>
+            <a:r>
+              <a:rPr lang="zh-CN" altLang="en-US" sz="2400" dirty="0" smtClean="0"/>
+              <a:t>操作</a:t>
+            </a:r>
+            <a:endParaRPr lang="en-US" altLang="zh-CN" sz="2400" dirty="0" smtClean="0">
+              <a:solidFill>
+                <a:prstClr val="black"/>
+              </a:solidFill>
+            </a:endParaRPr>
+          </a:p>
+          <a:p>
+            <a:endParaRPr lang="zh-CN" altLang="en-US" dirty="0"/>
           </a:p>
         </p:txBody>
       </p:sp>
@@ -6101,7 +6626,7 @@
         <p:spPr>
           <a:xfrm>
             <a:off x="301554" y="1076245"/>
-            <a:ext cx="8540885" cy="1869440"/>
+            <a:ext cx="8540885" cy="1569660"/>
           </a:xfrm>
           <a:prstGeom prst="rect">
             <a:avLst/>
@@ -6117,7 +6642,83 @@
             <a:pPr indent="457200" algn="just"/>
             <a:r>
               <a:rPr lang="en-US" altLang="zh-CN" sz="2400" dirty="0"/>
-              <a:t>Although this method is generally recognized as accurate and practical, it is also a fact that for transmission networks with hundreds of buses the computational aspects of the method demand considerable computing capability and computing time. </a:t>
+              <a:t>Although this method </a:t>
+            </a:r>
+            <a:r>
+              <a:rPr lang="en-US" altLang="zh-CN" sz="2400" b="1" i="1" dirty="0">
+                <a:effectLst>
+                  <a:outerShdw blurRad="38100" dist="38100" dir="2700000" algn="tl">
+                    <a:srgbClr val="000000">
+                      <a:alpha val="43137"/>
+                    </a:srgbClr>
+                  </a:outerShdw>
+                </a:effectLst>
+              </a:rPr>
+              <a:t>is generally recognized</a:t>
+            </a:r>
+            <a:r>
+              <a:rPr lang="en-US" altLang="zh-CN" sz="2400" dirty="0"/>
+              <a:t> as accurate and practical, it </a:t>
+            </a:r>
+            <a:r>
+              <a:rPr lang="en-US" altLang="zh-CN" sz="2400" b="1" i="1" dirty="0">
+                <a:effectLst>
+                  <a:outerShdw blurRad="38100" dist="38100" dir="2700000" algn="tl">
+                    <a:srgbClr val="000000">
+                      <a:alpha val="43137"/>
+                    </a:srgbClr>
+                  </a:outerShdw>
+                </a:effectLst>
+              </a:rPr>
+              <a:t>is</a:t>
+            </a:r>
+            <a:r>
+              <a:rPr lang="en-US" altLang="zh-CN" sz="2400" dirty="0"/>
+              <a:t> also a fact </a:t>
+            </a:r>
+            <a:r>
+              <a:rPr lang="en-US" altLang="zh-CN" sz="2400" dirty="0" smtClean="0">
+                <a:solidFill>
+                  <a:schemeClr val="accent1">
+                    <a:lumMod val="75000"/>
+                  </a:schemeClr>
+                </a:solidFill>
+              </a:rPr>
+              <a:t>(</a:t>
+            </a:r>
+            <a:r>
+              <a:rPr lang="en-US" altLang="zh-CN" sz="2400" dirty="0" smtClean="0"/>
+              <a:t>that </a:t>
+            </a:r>
+            <a:r>
+              <a:rPr lang="en-US" altLang="zh-CN" sz="2400" dirty="0"/>
+              <a:t>for transmission networks with hundreds of buses the computational aspects of the method </a:t>
+            </a:r>
+            <a:r>
+              <a:rPr lang="en-US" altLang="zh-CN" sz="2400" b="1" i="1" dirty="0"/>
+              <a:t>demand</a:t>
+            </a:r>
+            <a:r>
+              <a:rPr lang="en-US" altLang="zh-CN" sz="2400" dirty="0"/>
+              <a:t> considerable computing capability and computing </a:t>
+            </a:r>
+            <a:r>
+              <a:rPr lang="en-US" altLang="zh-CN" sz="2400" dirty="0" smtClean="0"/>
+              <a:t>time</a:t>
+            </a:r>
+            <a:r>
+              <a:rPr lang="en-US" altLang="zh-CN" sz="2400" dirty="0" smtClean="0">
+                <a:solidFill>
+                  <a:schemeClr val="accent1">
+                    <a:lumMod val="75000"/>
+                  </a:schemeClr>
+                </a:solidFill>
+              </a:rPr>
+              <a:t>)</a:t>
+            </a:r>
+            <a:r>
+              <a:rPr lang="en-US" altLang="zh-CN" sz="2400" dirty="0" smtClean="0"/>
+              <a:t>. </a:t>
             </a:r>
             <a:endParaRPr lang="zh-CN" altLang="zh-CN" sz="2400" dirty="0"/>
           </a:p>
@@ -6196,7 +6797,7 @@
         <p:spPr>
           <a:xfrm>
             <a:off x="-10347" y="3219450"/>
-            <a:ext cx="8654281" cy="1348739"/>
+            <a:ext cx="8654281" cy="1384995"/>
           </a:xfrm>
           <a:prstGeom prst="rect">
             <a:avLst/>
@@ -6209,12 +6810,44 @@
           <a:lstStyle/>
           <a:p>
             <a:r>
-              <a:rPr lang="zh-CN" sz="2800">
+              <a:rPr lang="zh-CN" sz="2800" dirty="0">
                 <a:solidFill>
                   <a:srgbClr val="000000"/>
                 </a:solidFill>
               </a:rPr>
-              <a:t>虽然这种方法被公认为是准确和实用的，但事实上，对于具有数百条总线的传输网络，这种方法的计算方面需要相当大的计算能力和计算时间。</a:t>
+              <a:t>虽然这种方法被公认为是准确和实用的，但事实上，对于具有数百条总线的传输网络，这种方法的</a:t>
+            </a:r>
+            <a:r>
+              <a:rPr lang="zh-CN" sz="2800" dirty="0" smtClean="0">
+                <a:solidFill>
+                  <a:srgbClr val="000000"/>
+                </a:solidFill>
+              </a:rPr>
+              <a:t>计算</a:t>
+            </a:r>
+            <a:r>
+              <a:rPr lang="zh-CN" altLang="en-US" sz="2800" dirty="0" smtClean="0">
+                <a:solidFill>
+                  <a:srgbClr val="000000"/>
+                </a:solidFill>
+              </a:rPr>
+              <a:t>模式</a:t>
+            </a:r>
+            <a:r>
+              <a:rPr lang="zh-CN" sz="2800" dirty="0" smtClean="0">
+                <a:solidFill>
+                  <a:srgbClr val="000000"/>
+                </a:solidFill>
+              </a:rPr>
+              <a:t>需要</a:t>
+            </a:r>
+            <a:r>
+              <a:rPr lang="zh-CN" sz="2800" dirty="0">
+                <a:solidFill>
+                  <a:srgbClr val="000000"/>
+                </a:solidFill>
+              </a:rPr>
+              <a:t>相当大的计算能力和计算时间。</a:t>
             </a:r>
           </a:p>
         </p:txBody>
@@ -6701,7 +7334,7 @@
         <p:spPr>
           <a:xfrm>
             <a:off x="0" y="1079613"/>
-            <a:ext cx="9144000" cy="1869440"/>
+            <a:ext cx="9144000" cy="1569660"/>
           </a:xfrm>
           <a:prstGeom prst="rect">
             <a:avLst/>
@@ -6716,7 +7349,37 @@
           <a:p>
             <a:r>
               <a:rPr lang="en-US" altLang="zh-CN" sz="2400" dirty="0"/>
-              <a:t>Consequently, efforts have been made to uncover modified algorithms for solving the power flow equations accurately and quickly but </a:t>
+              <a:t>Consequently, efforts </a:t>
+            </a:r>
+            <a:r>
+              <a:rPr lang="en-US" altLang="zh-CN" sz="2400" b="1" i="1" dirty="0">
+                <a:effectLst>
+                  <a:outerShdw blurRad="38100" dist="38100" dir="2700000" algn="tl">
+                    <a:srgbClr val="000000">
+                      <a:alpha val="43137"/>
+                    </a:srgbClr>
+                  </a:outerShdw>
+                </a:effectLst>
+              </a:rPr>
+              <a:t>have been made</a:t>
+            </a:r>
+            <a:r>
+              <a:rPr lang="en-US" altLang="zh-CN" sz="2400" dirty="0"/>
+              <a:t> to uncover modified algorithms for solving the power flow equations accurately and quickly </a:t>
+            </a:r>
+            <a:r>
+              <a:rPr lang="en-US" altLang="zh-CN" sz="2400" dirty="0">
+                <a:solidFill>
+                  <a:schemeClr val="accent1">
+                    <a:lumMod val="75000"/>
+                  </a:schemeClr>
+                </a:solidFill>
+              </a:rPr>
+              <a:t>(</a:t>
+            </a:r>
+            <a:r>
+              <a:rPr lang="en-US" altLang="zh-CN" sz="2400" dirty="0" smtClean="0"/>
+              <a:t>but </a:t>
             </a:r>
             <a:r>
               <a:rPr lang="en-US" altLang="zh-CN" sz="2400" dirty="0" smtClean="0"/>
@@ -6724,7 +7387,37 @@
             </a:r>
             <a:r>
               <a:rPr lang="en-US" altLang="zh-CN" sz="2400" dirty="0"/>
-              <a:t>less manipulation of matrices, so that results can be achieved at more reasonable levels of computer power. </a:t>
+              <a:t>less manipulation of </a:t>
+            </a:r>
+            <a:r>
+              <a:rPr lang="en-US" altLang="zh-CN" sz="2400" dirty="0" smtClean="0"/>
+              <a:t>matrices</a:t>
+            </a:r>
+            <a:r>
+              <a:rPr lang="en-US" altLang="zh-CN" sz="2400" dirty="0" smtClean="0">
+                <a:solidFill>
+                  <a:schemeClr val="accent1">
+                    <a:lumMod val="75000"/>
+                  </a:schemeClr>
+                </a:solidFill>
+              </a:rPr>
+              <a:t>)</a:t>
+            </a:r>
+            <a:r>
+              <a:rPr lang="en-US" altLang="zh-CN" sz="2400" dirty="0" smtClean="0"/>
+              <a:t>, </a:t>
+            </a:r>
+            <a:r>
+              <a:rPr lang="en-US" altLang="zh-CN" sz="2400" dirty="0"/>
+              <a:t>so that results </a:t>
+            </a:r>
+            <a:r>
+              <a:rPr lang="en-US" altLang="zh-CN" sz="2400" b="1" i="1" dirty="0"/>
+              <a:t>can be achieved</a:t>
+            </a:r>
+            <a:r>
+              <a:rPr lang="en-US" altLang="zh-CN" sz="2400" dirty="0"/>
+              <a:t> at more reasonable levels of computer power. </a:t>
             </a:r>
             <a:endParaRPr lang="zh-CN" altLang="zh-CN" sz="2400" dirty="0"/>
           </a:p>
@@ -6803,7 +7496,7 @@
         <p:spPr>
           <a:xfrm>
             <a:off x="0" y="3214504"/>
-            <a:ext cx="8895601" cy="1348739"/>
+            <a:ext cx="8895601" cy="1384995"/>
           </a:xfrm>
           <a:prstGeom prst="rect">
             <a:avLst/>
@@ -6816,13 +7509,243 @@
           <a:lstStyle/>
           <a:p>
             <a:r>
-              <a:rPr lang="zh-CN" sz="2800">
+              <a:rPr lang="zh-CN" altLang="zh-CN" sz="2800" dirty="0">
                 <a:solidFill>
                   <a:srgbClr val="000000"/>
                 </a:solidFill>
               </a:rPr>
-              <a:t>因此，人们努力探索出精确、快速地求解潮流方程的改进算法，但对矩阵的操作要少得多，以便在更合理的计算机功率水平上获得结果。</a:t>
-            </a:r>
+              <a:t>但</a:t>
+            </a:r>
+            <a:r>
+              <a:rPr lang="zh-CN" altLang="en-US" sz="2800" dirty="0">
+                <a:solidFill>
+                  <a:srgbClr val="000000"/>
+                </a:solidFill>
+              </a:rPr>
+              <a:t>随着</a:t>
+            </a:r>
+            <a:r>
+              <a:rPr lang="zh-CN" altLang="zh-CN" sz="2800" dirty="0">
+                <a:solidFill>
+                  <a:srgbClr val="000000"/>
+                </a:solidFill>
+              </a:rPr>
+              <a:t>对矩阵的操作</a:t>
+            </a:r>
+            <a:r>
+              <a:rPr lang="zh-CN" altLang="en-US" sz="2800" dirty="0">
+                <a:solidFill>
+                  <a:srgbClr val="000000"/>
+                </a:solidFill>
+              </a:rPr>
+              <a:t>越来越</a:t>
+            </a:r>
+            <a:r>
+              <a:rPr lang="zh-CN" altLang="en-US" sz="2800" dirty="0" smtClean="0">
+                <a:solidFill>
+                  <a:srgbClr val="000000"/>
+                </a:solidFill>
+              </a:rPr>
+              <a:t>少</a:t>
+            </a:r>
+            <a:r>
+              <a:rPr lang="zh-CN" sz="2800" dirty="0" smtClean="0">
+                <a:solidFill>
+                  <a:srgbClr val="000000"/>
+                </a:solidFill>
+              </a:rPr>
+              <a:t>，人们</a:t>
+            </a:r>
+            <a:r>
+              <a:rPr lang="zh-CN" altLang="en-US" sz="2800" dirty="0">
+                <a:solidFill>
+                  <a:srgbClr val="000000"/>
+                </a:solidFill>
+              </a:rPr>
+              <a:t>已经</a:t>
+            </a:r>
+            <a:r>
+              <a:rPr lang="zh-CN" sz="2800" dirty="0" smtClean="0">
+                <a:solidFill>
+                  <a:srgbClr val="000000"/>
+                </a:solidFill>
+              </a:rPr>
+              <a:t>努力</a:t>
+            </a:r>
+            <a:r>
+              <a:rPr lang="zh-CN" sz="2800" dirty="0">
+                <a:solidFill>
+                  <a:srgbClr val="000000"/>
+                </a:solidFill>
+              </a:rPr>
+              <a:t>探索</a:t>
+            </a:r>
+            <a:r>
+              <a:rPr lang="zh-CN" sz="2800" dirty="0" smtClean="0">
+                <a:solidFill>
+                  <a:srgbClr val="000000"/>
+                </a:solidFill>
+              </a:rPr>
+              <a:t>出</a:t>
+            </a:r>
+            <a:r>
+              <a:rPr lang="zh-CN" altLang="en-US" sz="2800" dirty="0" smtClean="0">
+                <a:solidFill>
+                  <a:srgbClr val="000000"/>
+                </a:solidFill>
+              </a:rPr>
+              <a:t>了更</a:t>
+            </a:r>
+            <a:r>
+              <a:rPr lang="zh-CN" sz="2800" dirty="0" smtClean="0">
+                <a:solidFill>
+                  <a:srgbClr val="000000"/>
+                </a:solidFill>
+              </a:rPr>
+              <a:t>精确</a:t>
+            </a:r>
+            <a:r>
+              <a:rPr lang="zh-CN" sz="2800" dirty="0">
+                <a:solidFill>
+                  <a:srgbClr val="000000"/>
+                </a:solidFill>
+              </a:rPr>
+              <a:t>、快速地</a:t>
+            </a:r>
+            <a:r>
+              <a:rPr lang="zh-CN" sz="2800" dirty="0" smtClean="0">
+                <a:solidFill>
+                  <a:srgbClr val="000000"/>
+                </a:solidFill>
+              </a:rPr>
+              <a:t>求解</a:t>
+            </a:r>
+            <a:r>
+              <a:rPr lang="zh-CN" altLang="en-US" sz="2800" dirty="0" smtClean="0">
+                <a:solidFill>
+                  <a:srgbClr val="000000"/>
+                </a:solidFill>
+              </a:rPr>
+              <a:t>电力</a:t>
+            </a:r>
+            <a:r>
+              <a:rPr lang="zh-CN" sz="2800" dirty="0" smtClean="0">
+                <a:solidFill>
+                  <a:srgbClr val="000000"/>
+                </a:solidFill>
+              </a:rPr>
+              <a:t>潮流</a:t>
+            </a:r>
+            <a:r>
+              <a:rPr lang="zh-CN" sz="2800" dirty="0">
+                <a:solidFill>
+                  <a:srgbClr val="000000"/>
+                </a:solidFill>
+              </a:rPr>
+              <a:t>方程的改进算法</a:t>
+            </a:r>
+            <a:r>
+              <a:rPr lang="zh-CN" sz="2800" dirty="0" smtClean="0">
+                <a:solidFill>
+                  <a:srgbClr val="000000"/>
+                </a:solidFill>
+              </a:rPr>
+              <a:t>，</a:t>
+            </a:r>
+            <a:r>
+              <a:rPr lang="zh-CN" altLang="en-US" sz="2800" dirty="0" smtClean="0">
+                <a:solidFill>
+                  <a:srgbClr val="000000"/>
+                </a:solidFill>
+              </a:rPr>
+              <a:t>因此能</a:t>
+            </a:r>
+            <a:r>
+              <a:rPr lang="zh-CN" sz="2800" dirty="0" smtClean="0">
+                <a:solidFill>
+                  <a:srgbClr val="000000"/>
+                </a:solidFill>
+              </a:rPr>
+              <a:t>在</a:t>
+            </a:r>
+            <a:r>
+              <a:rPr lang="zh-CN" sz="2800" dirty="0">
+                <a:solidFill>
+                  <a:srgbClr val="000000"/>
+                </a:solidFill>
+              </a:rPr>
+              <a:t>更合理的</a:t>
+            </a:r>
+            <a:r>
+              <a:rPr lang="zh-CN" sz="2800" dirty="0" smtClean="0">
+                <a:solidFill>
+                  <a:srgbClr val="000000"/>
+                </a:solidFill>
+              </a:rPr>
+              <a:t>计算机</a:t>
+            </a:r>
+            <a:r>
+              <a:rPr lang="zh-CN" altLang="en-US" sz="2800" dirty="0" smtClean="0">
+                <a:solidFill>
+                  <a:srgbClr val="000000"/>
+                </a:solidFill>
+              </a:rPr>
+              <a:t>性能</a:t>
+            </a:r>
+            <a:r>
+              <a:rPr lang="zh-CN" sz="2800" dirty="0" smtClean="0">
+                <a:solidFill>
+                  <a:srgbClr val="000000"/>
+                </a:solidFill>
+              </a:rPr>
+              <a:t>水平</a:t>
+            </a:r>
+            <a:r>
+              <a:rPr lang="zh-CN" sz="2800" dirty="0">
+                <a:solidFill>
+                  <a:srgbClr val="000000"/>
+                </a:solidFill>
+              </a:rPr>
+              <a:t>上获得结果。</a:t>
+            </a:r>
+          </a:p>
+        </p:txBody>
+      </p:sp>
+      <p:sp>
+        <p:nvSpPr>
+          <p:cNvPr id="2" name="TextBox 1"/>
+          <p:cNvSpPr txBox="1"/>
+          <p:nvPr/>
+        </p:nvSpPr>
+        <p:spPr>
+          <a:xfrm>
+            <a:off x="629174" y="5142451"/>
+            <a:ext cx="3106941" cy="369332"/>
+          </a:xfrm>
+          <a:prstGeom prst="rect">
+            <a:avLst/>
+          </a:prstGeom>
+          <a:noFill/>
+        </p:spPr>
+        <p:txBody>
+          <a:bodyPr wrap="none" rtlCol="0">
+            <a:spAutoFit/>
+          </a:bodyPr>
+          <a:lstStyle/>
+          <a:p>
+            <a:r>
+              <a:rPr lang="en-US" altLang="zh-CN" dirty="0"/>
+              <a:t>modified </a:t>
+            </a:r>
+            <a:r>
+              <a:rPr lang="en-US" altLang="zh-CN" dirty="0" smtClean="0"/>
+              <a:t>algorithms  </a:t>
+            </a:r>
+            <a:r>
+              <a:rPr lang="zh-CN" altLang="en-US" dirty="0" smtClean="0"/>
+              <a:t>改进算法</a:t>
+            </a:r>
+            <a:endParaRPr lang="en-US" altLang="zh-CN" dirty="0" smtClean="0"/>
           </a:p>
         </p:txBody>
       </p:sp>
@@ -7308,7 +8231,7 @@
         <p:spPr>
           <a:xfrm>
             <a:off x="301554" y="1076245"/>
-            <a:ext cx="8540885" cy="1869440"/>
+            <a:ext cx="8540885" cy="1569660"/>
           </a:xfrm>
           <a:prstGeom prst="rect">
             <a:avLst/>
@@ -7324,15 +8247,55 @@
             <a:pPr indent="457200" algn="just"/>
             <a:r>
               <a:rPr lang="en-US" altLang="zh-CN" sz="2400" dirty="0"/>
-              <a:t>The fast de-coupled method offers these features. Although in some cases Newton-</a:t>
-            </a:r>
-            <a:r>
-              <a:rPr lang="en-US" altLang="zh-CN" sz="2400" dirty="0" err="1"/>
-              <a:t>Raphson</a:t>
+              <a:t>The fast de-coupled method </a:t>
+            </a:r>
+            <a:r>
+              <a:rPr lang="en-US" altLang="zh-CN" sz="2400" b="1" i="1" dirty="0">
+                <a:effectLst>
+                  <a:outerShdw blurRad="38100" dist="38100" dir="2700000" algn="tl">
+                    <a:srgbClr val="000000">
+                      <a:alpha val="43137"/>
+                    </a:srgbClr>
+                  </a:outerShdw>
+                </a:effectLst>
+              </a:rPr>
+              <a:t>offers</a:t>
             </a:r>
             <a:r>
               <a:rPr lang="en-US" altLang="zh-CN" sz="2400" dirty="0"/>
-              <a:t> method can get the results but the fast de-coupled method fails to converge, it does demand much less computing time and computer capacity. </a:t>
+              <a:t> these features. Although in some cases Newton-Raphson method </a:t>
+            </a:r>
+            <a:r>
+              <a:rPr lang="en-US" altLang="zh-CN" sz="2400" b="1" i="1" dirty="0">
+                <a:effectLst>
+                  <a:outerShdw blurRad="38100" dist="38100" dir="2700000" algn="tl">
+                    <a:srgbClr val="000000">
+                      <a:alpha val="43137"/>
+                    </a:srgbClr>
+                  </a:outerShdw>
+                </a:effectLst>
+              </a:rPr>
+              <a:t>can get</a:t>
+            </a:r>
+            <a:r>
+              <a:rPr lang="en-US" altLang="zh-CN" sz="2400" dirty="0"/>
+              <a:t> the results but the fast de-coupled method </a:t>
+            </a:r>
+            <a:r>
+              <a:rPr lang="en-US" altLang="zh-CN" sz="2400" b="1" i="1" dirty="0">
+                <a:effectLst>
+                  <a:outerShdw blurRad="38100" dist="38100" dir="2700000" algn="tl">
+                    <a:srgbClr val="000000">
+                      <a:alpha val="43137"/>
+                    </a:srgbClr>
+                  </a:outerShdw>
+                </a:effectLst>
+              </a:rPr>
+              <a:t>fails</a:t>
+            </a:r>
+            <a:r>
+              <a:rPr lang="en-US" altLang="zh-CN" sz="2400" dirty="0"/>
+              <a:t> to converge, it does demand much less computing time and computer capacity. </a:t>
             </a:r>
             <a:endParaRPr lang="zh-CN" altLang="zh-CN" sz="2400" dirty="0"/>
           </a:p>
@@ -7411,7 +8374,7 @@
         <p:spPr>
           <a:xfrm>
             <a:off x="340020" y="3219450"/>
-            <a:ext cx="8247681" cy="1767839"/>
+            <a:ext cx="8247681" cy="1815882"/>
           </a:xfrm>
           <a:prstGeom prst="rect">
             <a:avLst/>
@@ -7424,13 +8387,79 @@
           <a:lstStyle/>
           <a:p>
             <a:r>
-              <a:rPr lang="zh-CN" sz="2800">
+              <a:rPr lang="zh-CN" sz="2800" dirty="0">
                 <a:solidFill>
                   <a:srgbClr val="000000"/>
                 </a:solidFill>
               </a:rPr>
-              <a:t>快速去耦合方法提供了这些特性。虽然在某些情况下，牛顿-拉斐逊方法可以得到结果，但快速去耦合方法不能收敛，但它对计算时间和计算机容量的要求要小得多。</a:t>
-            </a:r>
+              <a:t>快速去耦合方法提供了这些特性。虽然在某些情况下，牛顿-拉斐逊方法可以得到结果，但快速去耦合方法不能收敛</a:t>
+            </a:r>
+            <a:r>
+              <a:rPr lang="zh-CN" sz="2800" dirty="0" smtClean="0">
+                <a:solidFill>
+                  <a:srgbClr val="000000"/>
+                </a:solidFill>
+              </a:rPr>
+              <a:t>，</a:t>
+            </a:r>
+            <a:r>
+              <a:rPr lang="zh-CN" altLang="en-US" sz="2800" dirty="0" smtClean="0">
+                <a:solidFill>
+                  <a:srgbClr val="000000"/>
+                </a:solidFill>
+              </a:rPr>
+              <a:t>尽管</a:t>
+            </a:r>
+            <a:r>
+              <a:rPr lang="zh-CN" sz="2800" dirty="0" smtClean="0">
+                <a:solidFill>
+                  <a:srgbClr val="000000"/>
+                </a:solidFill>
+              </a:rPr>
+              <a:t>它</a:t>
+            </a:r>
+            <a:r>
+              <a:rPr lang="zh-CN" sz="2800" dirty="0">
+                <a:solidFill>
+                  <a:srgbClr val="000000"/>
+                </a:solidFill>
+              </a:rPr>
+              <a:t>对计算时间和计算机容量的要求要小得多。</a:t>
+            </a:r>
+          </a:p>
+        </p:txBody>
+      </p:sp>
+      <p:sp>
+        <p:nvSpPr>
+          <p:cNvPr id="2" name="TextBox 1"/>
+          <p:cNvSpPr txBox="1"/>
+          <p:nvPr/>
+        </p:nvSpPr>
+        <p:spPr>
+          <a:xfrm>
+            <a:off x="340020" y="5276675"/>
+            <a:ext cx="3068725" cy="523220"/>
+          </a:xfrm>
+          <a:prstGeom prst="rect">
+            <a:avLst/>
+          </a:prstGeom>
+          <a:noFill/>
+        </p:spPr>
+        <p:txBody>
+          <a:bodyPr wrap="none" rtlCol="0">
+            <a:spAutoFit/>
+          </a:bodyPr>
+          <a:lstStyle/>
+          <a:p>
+            <a:r>
+              <a:rPr lang="en-US" altLang="zh-CN" sz="2800" dirty="0" smtClean="0"/>
+              <a:t>de-coupled  </a:t>
+            </a:r>
+            <a:r>
+              <a:rPr lang="zh-CN" altLang="en-US" sz="2800" dirty="0" smtClean="0"/>
+              <a:t>去耦合</a:t>
+            </a:r>
+            <a:endParaRPr lang="zh-CN" altLang="en-US" sz="2800" dirty="0"/>
           </a:p>
         </p:txBody>
       </p:sp>
@@ -9556,7 +10585,7 @@
         </p:nvSpPr>
         <p:spPr>
           <a:xfrm>
-            <a:off x="234893" y="1409350"/>
+            <a:off x="229798" y="1409350"/>
             <a:ext cx="8607550" cy="1938992"/>
           </a:xfrm>
           <a:prstGeom prst="rect">
@@ -9576,52 +10605,104 @@
               </a:lnSpc>
             </a:pPr>
             <a:r>
-              <a:rPr lang="en-US" altLang="zh-CN" sz="2400" dirty="0">
-                <a:solidFill>
-                  <a:srgbClr val="FF0000"/>
-                </a:solidFill>
-              </a:rPr>
+              <a:rPr lang="en-US" altLang="zh-CN" sz="2400" dirty="0"/>
               <a:t>Iterative techniques </a:t>
             </a:r>
             <a:r>
+              <a:rPr lang="en-US" altLang="zh-CN" sz="2400" b="1" i="1" dirty="0">
+                <a:effectLst>
+                  <a:outerShdw blurRad="38100" dist="38100" dir="2700000" algn="tl">
+                    <a:srgbClr val="000000">
+                      <a:alpha val="43137"/>
+                    </a:srgbClr>
+                  </a:outerShdw>
+                </a:effectLst>
+              </a:rPr>
+              <a:t>will probably remain</a:t>
+            </a:r>
+            <a:r>
+              <a:rPr lang="en-US" altLang="zh-CN" sz="2400" b="1" i="1" dirty="0"/>
+              <a:t> </a:t>
+            </a:r>
+            <a:r>
               <a:rPr lang="en-US" altLang="zh-CN" sz="2400" dirty="0"/>
-              <a:t>will probably </a:t>
-            </a:r>
-            <a:r>
-              <a:rPr lang="en-US" altLang="zh-CN" sz="2400" dirty="0">
-                <a:solidFill>
-                  <a:srgbClr val="FF0000"/>
-                </a:solidFill>
-              </a:rPr>
-              <a:t>remain</a:t>
+              <a:t>the only way </a:t>
+            </a:r>
+            <a:r>
+              <a:rPr lang="en-US" altLang="zh-CN" sz="2400" dirty="0" smtClean="0">
+                <a:solidFill>
+                  <a:schemeClr val="accent1">
+                    <a:lumMod val="75000"/>
+                  </a:schemeClr>
+                </a:solidFill>
+              </a:rPr>
+              <a:t>(</a:t>
+            </a:r>
+            <a:r>
+              <a:rPr lang="en-US" altLang="zh-CN" sz="2400" dirty="0" smtClean="0"/>
+              <a:t>to </a:t>
             </a:r>
             <a:r>
               <a:rPr lang="en-US" altLang="zh-CN" sz="2400" dirty="0"/>
-              <a:t> the only way to solve the general load-flow problem. The </a:t>
-            </a:r>
-            <a:r>
-              <a:rPr lang="en-US" altLang="zh-CN" sz="2400" dirty="0">
-                <a:solidFill>
-                  <a:srgbClr val="FF0000"/>
-                </a:solidFill>
-              </a:rPr>
-              <a:t>types of </a:t>
+              <a:t>solve the general load-flow </a:t>
+            </a:r>
+            <a:r>
+              <a:rPr lang="en-US" altLang="zh-CN" sz="2400" dirty="0" smtClean="0"/>
+              <a:t>problem</a:t>
+            </a:r>
+            <a:r>
+              <a:rPr lang="en-US" altLang="zh-CN" sz="2400" dirty="0" smtClean="0">
+                <a:solidFill>
+                  <a:schemeClr val="accent1">
+                    <a:lumMod val="75000"/>
+                  </a:schemeClr>
+                </a:solidFill>
+              </a:rPr>
+              <a:t>)</a:t>
+            </a:r>
+            <a:r>
+              <a:rPr lang="en-US" altLang="zh-CN" sz="2400" dirty="0" smtClean="0"/>
+              <a:t>. </a:t>
+            </a:r>
+            <a:r>
+              <a:rPr lang="en-US" altLang="zh-CN" sz="2400" u="sng" dirty="0"/>
+              <a:t>The types</a:t>
             </a:r>
             <a:r>
               <a:rPr lang="en-US" altLang="zh-CN" sz="2400" dirty="0"/>
-              <a:t>iterative techniques and the </a:t>
-            </a:r>
-            <a:r>
-              <a:rPr lang="en-US" altLang="zh-CN" sz="2400" dirty="0">
-                <a:solidFill>
-                  <a:srgbClr val="FF0000"/>
-                </a:solidFill>
-              </a:rPr>
-              <a:t>variations </a:t>
+              <a:t> of iterative techniques </a:t>
+            </a:r>
+            <a:r>
+              <a:rPr lang="en-US" altLang="zh-CN" sz="2400" i="1" dirty="0"/>
+              <a:t>and</a:t>
             </a:r>
             <a:r>
               <a:rPr lang="en-US" altLang="zh-CN" sz="2400" dirty="0"/>
-              <a:t>on them are numerous. Each type seems to have some particular advantage. </a:t>
+              <a:t> </a:t>
+            </a:r>
+            <a:r>
+              <a:rPr lang="en-US" altLang="zh-CN" sz="2400" u="sng" dirty="0"/>
+              <a:t>the variations</a:t>
+            </a:r>
+            <a:r>
+              <a:rPr lang="en-US" altLang="zh-CN" sz="2400" dirty="0"/>
+              <a:t> on them </a:t>
+            </a:r>
+            <a:r>
+              <a:rPr lang="en-US" altLang="zh-CN" sz="2400" b="1" i="1" dirty="0">
+                <a:effectLst>
+                  <a:outerShdw blurRad="38100" dist="38100" dir="2700000" algn="tl">
+                    <a:srgbClr val="000000">
+                      <a:alpha val="43137"/>
+                    </a:srgbClr>
+                  </a:outerShdw>
+                </a:effectLst>
+              </a:rPr>
+              <a:t>are</a:t>
+            </a:r>
+            <a:r>
+              <a:rPr lang="en-US" altLang="zh-CN" sz="2400" dirty="0"/>
+              <a:t> numerous. Each type seems to have some particular advantage. </a:t>
             </a:r>
             <a:endParaRPr lang="zh-CN" altLang="zh-CN" sz="2400" dirty="0"/>
           </a:p>
@@ -9635,8 +10716,8 @@
         </p:nvSpPr>
         <p:spPr>
           <a:xfrm>
-            <a:off x="-74598" y="3317110"/>
-            <a:ext cx="8794923" cy="1348740"/>
+            <a:off x="377505" y="3459723"/>
+            <a:ext cx="8417418" cy="1384995"/>
           </a:xfrm>
           <a:prstGeom prst="rect">
             <a:avLst/>
@@ -9675,8 +10756,8 @@
         </p:nvSpPr>
         <p:spPr>
           <a:xfrm>
-            <a:off x="77751" y="4641940"/>
-            <a:ext cx="8764692" cy="1815882"/>
+            <a:off x="234893" y="4910718"/>
+            <a:ext cx="8764692" cy="1384995"/>
           </a:xfrm>
           <a:prstGeom prst="rect">
             <a:avLst/>
@@ -9689,123 +10770,40 @@
           <a:lstStyle/>
           <a:p>
             <a:r>
-              <a:rPr lang="zh-CN" sz="2800" dirty="0">
-                <a:solidFill>
-                  <a:srgbClr val="FF0000"/>
-                </a:solidFill>
-              </a:rPr>
+              <a:rPr lang="zh-CN" sz="2800" dirty="0"/>
               <a:t>Iterative </a:t>
             </a:r>
             <a:r>
-              <a:rPr lang="zh-CN" sz="2800" dirty="0" smtClean="0">
-                <a:solidFill>
-                  <a:srgbClr val="FF0000"/>
-                </a:solidFill>
-              </a:rPr>
+              <a:rPr lang="zh-CN" sz="2800" dirty="0" smtClean="0"/>
               <a:t>techniques</a:t>
             </a:r>
             <a:r>
-              <a:rPr lang="en-US" altLang="zh-CN" sz="2800" dirty="0" smtClean="0">
-                <a:solidFill>
-                  <a:srgbClr val="FF0000"/>
-                </a:solidFill>
-              </a:rPr>
+              <a:rPr lang="en-US" altLang="zh-CN" sz="2800" dirty="0" smtClean="0"/>
               <a:t>  </a:t>
             </a:r>
             <a:r>
-              <a:rPr lang="zh-CN" altLang="zh-CN" sz="2800" dirty="0" smtClean="0">
-                <a:solidFill>
-                  <a:srgbClr val="000000"/>
-                </a:solidFill>
-              </a:rPr>
+              <a:rPr lang="zh-CN" altLang="zh-CN" sz="2800" dirty="0" smtClean="0"/>
               <a:t>迭代技术</a:t>
             </a:r>
-            <a:endParaRPr lang="en-US" altLang="zh-CN" sz="2800" dirty="0" smtClean="0">
-              <a:solidFill>
-                <a:srgbClr val="000000"/>
-              </a:solidFill>
-            </a:endParaRPr>
-          </a:p>
-          <a:p>
-            <a:r>
-              <a:rPr lang="zh-CN" sz="2800" dirty="0" smtClean="0">
-                <a:solidFill>
-                  <a:srgbClr val="FF0000"/>
-                </a:solidFill>
-              </a:rPr>
+            <a:endParaRPr lang="en-US" altLang="zh-CN" sz="2800" dirty="0" smtClean="0"/>
+          </a:p>
+          <a:p>
+            <a:r>
+              <a:rPr lang="zh-CN" sz="2800" dirty="0" smtClean="0"/>
               <a:t>remain </a:t>
             </a:r>
             <a:r>
-              <a:rPr lang="en-US" sz="2800" dirty="0" smtClean="0">
-                <a:solidFill>
-                  <a:srgbClr val="000000"/>
-                </a:solidFill>
-              </a:rPr>
+              <a:rPr lang="en-US" sz="2800" dirty="0" smtClean="0"/>
               <a:t>  </a:t>
             </a:r>
             <a:r>
-              <a:rPr lang="zh-CN" sz="2800" dirty="0" smtClean="0">
-                <a:solidFill>
-                  <a:srgbClr val="000000"/>
-                </a:solidFill>
-              </a:rPr>
+              <a:rPr lang="zh-CN" sz="2800" dirty="0" smtClean="0"/>
               <a:t>依然</a:t>
             </a:r>
           </a:p>
           <a:p>
             <a:r>
-              <a:rPr lang="zh-CN" sz="2800" dirty="0" smtClean="0">
-                <a:solidFill>
-                  <a:srgbClr val="FF0000"/>
-                </a:solidFill>
-              </a:rPr>
-              <a:t>types </a:t>
-            </a:r>
-            <a:r>
-              <a:rPr lang="zh-CN" sz="2800" dirty="0">
-                <a:solidFill>
-                  <a:srgbClr val="FF0000"/>
-                </a:solidFill>
-              </a:rPr>
-              <a:t>of</a:t>
-            </a:r>
-            <a:r>
-              <a:rPr lang="en-US" sz="2800" dirty="0">
-                <a:solidFill>
-                  <a:srgbClr val="FF0000"/>
-                </a:solidFill>
-              </a:rPr>
-              <a:t>   </a:t>
-            </a:r>
-            <a:r>
-              <a:rPr lang="zh-CN" sz="2800" dirty="0">
-                <a:solidFill>
-                  <a:srgbClr val="000000"/>
-                </a:solidFill>
-              </a:rPr>
-              <a:t>各种</a:t>
-            </a:r>
-            <a:r>
-              <a:rPr lang="zh-CN" sz="2800" dirty="0" smtClean="0">
-                <a:solidFill>
-                  <a:srgbClr val="000000"/>
-                </a:solidFill>
-              </a:rPr>
-              <a:t>类型</a:t>
-            </a:r>
-            <a:endParaRPr lang="en-US" altLang="zh-CN" sz="2800" dirty="0" smtClean="0">
-              <a:solidFill>
-                <a:srgbClr val="000000"/>
-              </a:solidFill>
-            </a:endParaRPr>
-          </a:p>
-          <a:p>
-            <a:r>
-              <a:rPr lang="en-US" altLang="zh-CN" sz="2800" dirty="0" smtClean="0">
-                <a:solidFill>
-                  <a:srgbClr val="FF0000"/>
-                </a:solidFill>
-              </a:rPr>
+              <a:rPr lang="en-US" altLang="zh-CN" sz="2800" dirty="0" smtClean="0"/>
               <a:t>Variations   </a:t>
             </a:r>
             <a:r>
@@ -10314,75 +11312,103 @@
             <a:pPr algn="just"/>
             <a:r>
               <a:rPr lang="en-US" altLang="zh-CN" sz="2400" dirty="0"/>
-              <a:t>Although some iterative techniques seem to be much preferred over others, their </a:t>
-            </a:r>
-            <a:r>
-              <a:rPr lang="en-US" altLang="zh-CN" sz="2400" dirty="0">
-                <a:solidFill>
-                  <a:srgbClr val="FF0000"/>
-                </a:solidFill>
-              </a:rPr>
-              <a:t>effectiveness</a:t>
+              <a:t>Although some iterative techniques </a:t>
+            </a:r>
+            <a:r>
+              <a:rPr lang="en-US" altLang="zh-CN" sz="2400" b="1" i="1" dirty="0">
+                <a:effectLst>
+                  <a:outerShdw blurRad="38100" dist="38100" dir="2700000" algn="tl">
+                    <a:srgbClr val="000000">
+                      <a:alpha val="43137"/>
+                    </a:srgbClr>
+                  </a:outerShdw>
+                </a:effectLst>
+              </a:rPr>
+              <a:t>seem</a:t>
             </a:r>
             <a:r>
               <a:rPr lang="en-US" altLang="zh-CN" sz="2400" dirty="0"/>
-              <a:t> is sometimes a </a:t>
-            </a:r>
-            <a:r>
-              <a:rPr lang="en-US" altLang="zh-CN" sz="2400" dirty="0">
-                <a:solidFill>
-                  <a:srgbClr val="FF0000"/>
-                </a:solidFill>
-              </a:rPr>
-              <a:t>function </a:t>
+              <a:t> to be much preferred over others, their effectiveness </a:t>
+            </a:r>
+            <a:r>
+              <a:rPr lang="en-US" altLang="zh-CN" sz="2400" b="1" i="1" dirty="0">
+                <a:effectLst>
+                  <a:outerShdw blurRad="38100" dist="38100" dir="2700000" algn="tl">
+                    <a:srgbClr val="000000">
+                      <a:alpha val="43137"/>
+                    </a:srgbClr>
+                  </a:outerShdw>
+                </a:effectLst>
+              </a:rPr>
+              <a:t>is</a:t>
             </a:r>
             <a:r>
               <a:rPr lang="en-US" altLang="zh-CN" sz="2400" dirty="0"/>
-              <a:t>of the </a:t>
-            </a:r>
-            <a:r>
-              <a:rPr lang="en-US" altLang="zh-CN" sz="2400" dirty="0">
-                <a:solidFill>
-                  <a:srgbClr val="FF0000"/>
-                </a:solidFill>
-              </a:rPr>
-              <a:t>characteristics</a:t>
+              <a:t> sometimes a function of the characteristics of the particular power system. For this reason it </a:t>
+            </a:r>
+            <a:r>
+              <a:rPr lang="en-US" altLang="zh-CN" sz="2400" b="1" i="1" dirty="0">
+                <a:effectLst>
+                  <a:outerShdw blurRad="38100" dist="38100" dir="2700000" algn="tl">
+                    <a:srgbClr val="000000">
+                      <a:alpha val="43137"/>
+                    </a:srgbClr>
+                  </a:outerShdw>
+                </a:effectLst>
+              </a:rPr>
+              <a:t>is</a:t>
             </a:r>
             <a:r>
               <a:rPr lang="en-US" altLang="zh-CN" sz="2400" dirty="0"/>
-              <a:t> of the particular </a:t>
-            </a:r>
-            <a:r>
-              <a:rPr lang="en-US" altLang="zh-CN" sz="2400" dirty="0">
-                <a:solidFill>
-                  <a:srgbClr val="FF0000"/>
-                </a:solidFill>
-              </a:rPr>
-              <a:t>power system</a:t>
-            </a:r>
-            <a:r>
-              <a:rPr lang="en-US" altLang="zh-CN" sz="2400" dirty="0"/>
-              <a:t>. For this reason it is </a:t>
+              <a:t> </a:t>
             </a:r>
             <a:r>
               <a:rPr lang="en-US" altLang="zh-CN" sz="2400" dirty="0" smtClean="0"/>
               <a:t>almost impossible </a:t>
             </a:r>
             <a:r>
+              <a:rPr lang="en-US" altLang="zh-CN" sz="2400" dirty="0" smtClean="0">
+                <a:solidFill>
+                  <a:schemeClr val="accent1">
+                    <a:lumMod val="75000"/>
+                  </a:schemeClr>
+                </a:solidFill>
+              </a:rPr>
+              <a:t>(</a:t>
+            </a:r>
+            <a:r>
+              <a:rPr lang="en-US" altLang="zh-CN" sz="2400" dirty="0" smtClean="0"/>
+              <a:t>to </a:t>
+            </a:r>
+            <a:r>
               <a:rPr lang="en-US" altLang="zh-CN" sz="2400" dirty="0"/>
-              <a:t>to provide an </a:t>
-            </a:r>
-            <a:r>
-              <a:rPr lang="en-US" altLang="zh-CN" sz="2400" dirty="0">
-                <a:solidFill>
-                  <a:srgbClr val="FF0000"/>
-                </a:solidFill>
-              </a:rPr>
-              <a:t>unbiased test </a:t>
+              <a:t>provide an unbiased </a:t>
+            </a:r>
+            <a:r>
+              <a:rPr lang="en-US" altLang="zh-CN" sz="2400" dirty="0" smtClean="0"/>
+              <a:t>test</a:t>
+            </a:r>
+            <a:r>
+              <a:rPr lang="en-US" altLang="zh-CN" sz="2400" dirty="0" smtClean="0">
+                <a:solidFill>
+                  <a:schemeClr val="accent1">
+                    <a:lumMod val="75000"/>
+                  </a:schemeClr>
+                </a:solidFill>
+              </a:rPr>
+              <a:t>)</a:t>
+            </a:r>
+            <a:r>
+              <a:rPr lang="en-US" altLang="zh-CN" sz="2400" dirty="0" smtClean="0"/>
+              <a:t> </a:t>
             </a:r>
             <a:r>
               <a:rPr lang="en-US" altLang="zh-CN" sz="2400" dirty="0"/>
-              <a:t>for their effectiveness.</a:t>
+              <a:t>for their </a:t>
+            </a:r>
+            <a:r>
+              <a:rPr lang="en-US" altLang="zh-CN" sz="2400" dirty="0" smtClean="0"/>
+              <a:t>effectiveness.</a:t>
             </a:r>
             <a:endParaRPr lang="zh-CN" altLang="zh-CN" sz="2400" dirty="0"/>
           </a:p>
@@ -10460,7 +11486,7 @@
         </p:nvSpPr>
         <p:spPr>
           <a:xfrm>
-            <a:off x="357323" y="3219450"/>
+            <a:off x="357323" y="3085227"/>
             <a:ext cx="8182798" cy="3970318"/>
           </a:xfrm>
           <a:prstGeom prst="rect">
@@ -10474,179 +11500,107 @@
           <a:lstStyle/>
           <a:p>
             <a:r>
-              <a:rPr lang="zh-CN" sz="2800" dirty="0">
-                <a:solidFill>
-                  <a:srgbClr val="000000"/>
-                </a:solidFill>
-              </a:rPr>
-              <a:t>虽然有些迭代技术似乎比其他技术更受欢迎，但它们的有效性有时是特定电力系统特性的函数。因此，几乎不可能对其有效性进行公正的测试。</a:t>
-            </a:r>
-          </a:p>
-          <a:p>
-            <a:endParaRPr lang="zh-CN" sz="2800" dirty="0">
-              <a:solidFill>
-                <a:srgbClr val="000000"/>
-              </a:solidFill>
-            </a:endParaRPr>
-          </a:p>
-          <a:p>
-            <a:r>
-              <a:rPr lang="zh-CN" sz="2800" dirty="0">
-                <a:solidFill>
-                  <a:srgbClr val="FF0000"/>
-                </a:solidFill>
-              </a:rPr>
+              <a:rPr lang="zh-CN" sz="2800" dirty="0"/>
+              <a:t>虽然有些迭代技术似乎比其他技术更受欢迎，</a:t>
+            </a:r>
+            <a:r>
+              <a:rPr lang="zh-CN" sz="2800" dirty="0" smtClean="0"/>
+              <a:t>但</a:t>
+            </a:r>
+            <a:r>
+              <a:rPr lang="zh-CN" altLang="zh-CN" sz="2800" dirty="0"/>
+              <a:t>有时</a:t>
+            </a:r>
+            <a:r>
+              <a:rPr lang="zh-CN" sz="2800" dirty="0" smtClean="0"/>
+              <a:t>它们</a:t>
+            </a:r>
+            <a:r>
+              <a:rPr lang="zh-CN" sz="2800" dirty="0"/>
+              <a:t>的</a:t>
+            </a:r>
+            <a:r>
+              <a:rPr lang="zh-CN" sz="2800" dirty="0" smtClean="0"/>
+              <a:t>有效性是</a:t>
+            </a:r>
+            <a:r>
+              <a:rPr lang="zh-CN" sz="2800" dirty="0"/>
+              <a:t>特定电力系统特性的函数。因此，几乎不可能对其有效性进行公正的测试。</a:t>
+            </a:r>
+          </a:p>
+          <a:p>
+            <a:endParaRPr lang="zh-CN" sz="2800" dirty="0"/>
+          </a:p>
+          <a:p>
+            <a:r>
+              <a:rPr lang="zh-CN" sz="2800" dirty="0"/>
               <a:t>effectiveness</a:t>
             </a:r>
             <a:r>
-              <a:rPr lang="en-US" sz="2800" dirty="0">
-                <a:solidFill>
-                  <a:srgbClr val="FF0000"/>
-                </a:solidFill>
-              </a:rPr>
-              <a:t>  </a:t>
-            </a:r>
-            <a:r>
-              <a:rPr lang="en-US" sz="2800" dirty="0">
-                <a:solidFill>
-                  <a:srgbClr val="000000"/>
-                </a:solidFill>
-              </a:rPr>
-              <a:t> </a:t>
-            </a:r>
-            <a:r>
-              <a:rPr lang="zh-CN" sz="2800" dirty="0" smtClean="0">
-                <a:solidFill>
-                  <a:srgbClr val="000000"/>
-                </a:solidFill>
-              </a:rPr>
+              <a:rPr lang="en-US" sz="2800" dirty="0"/>
+              <a:t>   </a:t>
+            </a:r>
+            <a:r>
+              <a:rPr lang="zh-CN" sz="2800" dirty="0" smtClean="0"/>
               <a:t>有效性</a:t>
             </a:r>
             <a:r>
-              <a:rPr lang="en-US" altLang="zh-CN" sz="2800" dirty="0" smtClean="0">
-                <a:solidFill>
-                  <a:srgbClr val="000000"/>
-                </a:solidFill>
-              </a:rPr>
+              <a:rPr lang="en-US" altLang="zh-CN" sz="2800" dirty="0" smtClean="0"/>
               <a:t>   </a:t>
             </a:r>
-            <a:r>
-              <a:rPr lang="en-US" altLang="zh-CN" sz="2800" dirty="0" smtClean="0">
-                <a:solidFill>
-                  <a:srgbClr val="FF0000"/>
-                </a:solidFill>
-              </a:rPr>
-              <a:t>function  </a:t>
+            <a:endParaRPr lang="en-US" altLang="zh-CN" sz="2800" dirty="0" smtClean="0"/>
+          </a:p>
+          <a:p>
+            <a:r>
+              <a:rPr lang="zh-CN" sz="2800" dirty="0" smtClean="0"/>
+              <a:t>characteristics</a:t>
+            </a:r>
+            <a:r>
+              <a:rPr lang="en-US" sz="2800" dirty="0" smtClean="0"/>
+              <a:t>   </a:t>
+            </a:r>
+            <a:r>
+              <a:rPr lang="zh-CN" sz="2800" dirty="0"/>
+              <a:t>特性，特征</a:t>
+            </a:r>
+          </a:p>
+          <a:p>
+            <a:r>
+              <a:rPr lang="zh-CN" sz="2800" dirty="0"/>
+              <a:t>power system</a:t>
+            </a:r>
+            <a:r>
+              <a:rPr lang="en-US" sz="2800" dirty="0"/>
+              <a:t>   </a:t>
+            </a:r>
+            <a:r>
+              <a:rPr lang="zh-CN" sz="2800" dirty="0"/>
+              <a:t>电力系统，</a:t>
+            </a:r>
+            <a:r>
+              <a:rPr lang="zh-CN" sz="2800" dirty="0" smtClean="0"/>
+              <a:t>动力系统</a:t>
+            </a:r>
+            <a:endParaRPr lang="en-US" altLang="zh-CN" sz="2800" dirty="0" smtClean="0"/>
+          </a:p>
+          <a:p>
+            <a:r>
+              <a:rPr lang="en-US" altLang="zh-CN" sz="2800" dirty="0" smtClean="0"/>
+              <a:t>unbiased test  </a:t>
             </a:r>
             <a:r>
               <a:rPr lang="zh-CN" altLang="en-US" sz="2800" dirty="0" smtClean="0"/>
-              <a:t>函数</a:t>
-            </a:r>
-            <a:endParaRPr lang="zh-CN" sz="2800" dirty="0"/>
-          </a:p>
-          <a:p>
-            <a:r>
-              <a:rPr lang="zh-CN" sz="2800" dirty="0">
-                <a:solidFill>
-                  <a:srgbClr val="FF0000"/>
-                </a:solidFill>
-              </a:rPr>
-              <a:t>characteristics</a:t>
-            </a:r>
-            <a:r>
-              <a:rPr lang="en-US" sz="2800" dirty="0">
-                <a:solidFill>
-                  <a:srgbClr val="000000"/>
-                </a:solidFill>
-              </a:rPr>
-              <a:t>   </a:t>
-            </a:r>
-            <a:r>
-              <a:rPr lang="zh-CN" sz="2800" dirty="0">
-                <a:solidFill>
-                  <a:srgbClr val="000000"/>
-                </a:solidFill>
-              </a:rPr>
-              <a:t>特性，特征</a:t>
-            </a:r>
-          </a:p>
-          <a:p>
-            <a:r>
-              <a:rPr lang="zh-CN" sz="2800" dirty="0">
-                <a:solidFill>
-                  <a:srgbClr val="FF0000"/>
-                </a:solidFill>
-              </a:rPr>
-              <a:t>power system</a:t>
-            </a:r>
-            <a:r>
-              <a:rPr lang="en-US" sz="2800" dirty="0">
-                <a:solidFill>
-                  <a:srgbClr val="FF0000"/>
-                </a:solidFill>
-              </a:rPr>
-              <a:t>   </a:t>
-            </a:r>
-            <a:r>
-              <a:rPr lang="zh-CN" sz="2800" dirty="0">
-                <a:solidFill>
-                  <a:srgbClr val="000000"/>
-                </a:solidFill>
-              </a:rPr>
-              <a:t>电力系统，</a:t>
-            </a:r>
-            <a:r>
-              <a:rPr lang="zh-CN" sz="2800" dirty="0" smtClean="0">
-                <a:solidFill>
-                  <a:srgbClr val="000000"/>
-                </a:solidFill>
-              </a:rPr>
-              <a:t>动力系统</a:t>
-            </a:r>
-            <a:endParaRPr lang="en-US" altLang="zh-CN" sz="2800" dirty="0" smtClean="0">
-              <a:solidFill>
-                <a:srgbClr val="000000"/>
-              </a:solidFill>
-            </a:endParaRPr>
-          </a:p>
-          <a:p>
-            <a:r>
-              <a:rPr lang="en-US" altLang="zh-CN" sz="2800" dirty="0" smtClean="0">
-                <a:solidFill>
-                  <a:srgbClr val="FF0000"/>
-                </a:solidFill>
-              </a:rPr>
-              <a:t>unbiased test  </a:t>
-            </a:r>
-            <a:r>
-              <a:rPr lang="zh-CN" altLang="en-US" sz="2800" dirty="0" smtClean="0">
-                <a:solidFill>
-                  <a:srgbClr val="000000"/>
-                </a:solidFill>
-              </a:rPr>
               <a:t>公正</a:t>
             </a:r>
             <a:r>
-              <a:rPr lang="zh-CN" altLang="en-US" sz="2800" dirty="0">
-                <a:solidFill>
-                  <a:srgbClr val="000000"/>
-                </a:solidFill>
-              </a:rPr>
+              <a:rPr lang="zh-CN" altLang="en-US" sz="2800" dirty="0"/>
               <a:t>的</a:t>
             </a:r>
             <a:r>
-              <a:rPr lang="zh-CN" altLang="en-US" sz="2800" dirty="0" smtClean="0">
-                <a:solidFill>
-                  <a:srgbClr val="000000"/>
-                </a:solidFill>
-              </a:rPr>
+              <a:rPr lang="zh-CN" altLang="en-US" sz="2800" dirty="0" smtClean="0"/>
               <a:t>测试，无偏检验</a:t>
             </a:r>
-            <a:endParaRPr lang="en-US" altLang="zh-CN" sz="2800" dirty="0" smtClean="0">
-              <a:solidFill>
-                <a:srgbClr val="000000"/>
-              </a:solidFill>
-            </a:endParaRPr>
+            <a:endParaRPr lang="en-US" altLang="zh-CN" sz="2800" dirty="0" smtClean="0"/>
           </a:p>
           <a:p>
             <a:endParaRPr lang="zh-CN" sz="2800" dirty="0">
@@ -11138,7 +12092,7 @@
         </p:nvSpPr>
         <p:spPr>
           <a:xfrm>
-            <a:off x="301554" y="1076245"/>
+            <a:off x="301557" y="1076245"/>
             <a:ext cx="8540885" cy="1200329"/>
           </a:xfrm>
           <a:prstGeom prst="rect">
@@ -11154,44 +12108,76 @@
           <a:p>
             <a:pPr indent="457200" algn="just"/>
             <a:r>
+              <a:rPr lang="en-US" altLang="zh-CN" sz="2400" u="sng" dirty="0"/>
+              <a:t>The difficulties</a:t>
+            </a:r>
+            <a:r>
               <a:rPr lang="en-US" altLang="zh-CN" sz="2400" dirty="0"/>
-              <a:t>The difficulties and the importance of the </a:t>
-            </a:r>
-            <a:r>
-              <a:rPr lang="en-US" altLang="zh-CN" sz="2400" dirty="0">
-                <a:solidFill>
-                  <a:srgbClr val="FF0000"/>
-                </a:solidFill>
-              </a:rPr>
-              <a:t>load-flow problem </a:t>
+              <a:t> </a:t>
+            </a:r>
+            <a:r>
+              <a:rPr lang="en-US" altLang="zh-CN" sz="2400" i="1" dirty="0"/>
+              <a:t>and</a:t>
             </a:r>
             <a:r>
               <a:rPr lang="en-US" altLang="zh-CN" sz="2400" dirty="0"/>
-              <a:t>have </a:t>
-            </a:r>
-            <a:r>
-              <a:rPr lang="en-US" altLang="zh-CN" sz="2400" dirty="0">
-                <a:solidFill>
-                  <a:srgbClr val="FF0000"/>
-                </a:solidFill>
-              </a:rPr>
-              <a:t>fascinated </a:t>
+              <a:t> </a:t>
+            </a:r>
+            <a:r>
+              <a:rPr lang="en-US" altLang="zh-CN" sz="2400" u="sng" dirty="0"/>
+              <a:t>the importance</a:t>
             </a:r>
             <a:r>
               <a:rPr lang="en-US" altLang="zh-CN" sz="2400" dirty="0"/>
-              <a:t>mathematicians and engineers </a:t>
-            </a:r>
-            <a:r>
-              <a:rPr lang="en-US" altLang="zh-CN" sz="2400" dirty="0">
-                <a:solidFill>
-                  <a:srgbClr val="FF0000"/>
-                </a:solidFill>
-              </a:rPr>
-              <a:t>throughout the world</a:t>
+              <a:t> of the load-flow problem </a:t>
+            </a:r>
+            <a:r>
+              <a:rPr lang="en-US" altLang="zh-CN" sz="2400" b="1" i="1" dirty="0">
+                <a:effectLst>
+                  <a:outerShdw blurRad="38100" dist="38100" dir="2700000" algn="tl">
+                    <a:srgbClr val="000000">
+                      <a:alpha val="43137"/>
+                    </a:srgbClr>
+                  </a:outerShdw>
+                </a:effectLst>
+              </a:rPr>
+              <a:t>have fascinated</a:t>
             </a:r>
             <a:r>
               <a:rPr lang="en-US" altLang="zh-CN" sz="2400" dirty="0"/>
-              <a:t> for a number of yeas. </a:t>
+              <a:t> </a:t>
+            </a:r>
+            <a:r>
+              <a:rPr lang="en-US" altLang="zh-CN" sz="2400" u="sng" dirty="0"/>
+              <a:t>mathematicians</a:t>
+            </a:r>
+            <a:r>
+              <a:rPr lang="en-US" altLang="zh-CN" sz="2400" dirty="0"/>
+              <a:t> </a:t>
+            </a:r>
+            <a:r>
+              <a:rPr lang="en-US" altLang="zh-CN" sz="2400" i="1" dirty="0"/>
+              <a:t>and</a:t>
+            </a:r>
+            <a:r>
+              <a:rPr lang="en-US" altLang="zh-CN" sz="2400" dirty="0"/>
+              <a:t> </a:t>
+            </a:r>
+            <a:r>
+              <a:rPr lang="en-US" altLang="zh-CN" sz="2400" u="sng" dirty="0"/>
+              <a:t>engineers</a:t>
+            </a:r>
+            <a:r>
+              <a:rPr lang="en-US" altLang="zh-CN" sz="2400" dirty="0"/>
+              <a:t> throughout the world for a number of </a:t>
+            </a:r>
+            <a:r>
+              <a:rPr lang="en-US" altLang="zh-CN" sz="2400" dirty="0" smtClean="0"/>
+              <a:t>years</a:t>
+            </a:r>
+            <a:r>
+              <a:rPr lang="en-US" altLang="zh-CN" sz="2400" dirty="0"/>
+              <a:t>. </a:t>
             </a:r>
             <a:endParaRPr lang="zh-CN" altLang="zh-CN" sz="2400" dirty="0"/>
           </a:p>
@@ -11299,15 +12285,85 @@
               <a:t>多年来</a:t>
             </a:r>
             <a:r>
+              <a:rPr lang="zh-CN" sz="2800" dirty="0" smtClean="0">
+                <a:solidFill>
+                  <a:srgbClr val="000000"/>
+                </a:solidFill>
+              </a:rPr>
+              <a:t>，潮流</a:t>
+            </a:r>
+            <a:r>
               <a:rPr lang="zh-CN" sz="2800" dirty="0">
                 <a:solidFill>
                   <a:srgbClr val="000000"/>
                 </a:solidFill>
               </a:rPr>
-              <a:t>，潮流问题的困难和重要性一直吸引着世界各地的数学家和工程师。</a:t>
-            </a:r>
-          </a:p>
-          <a:p>
+              <a:t>问题</a:t>
+            </a:r>
+            <a:r>
+              <a:rPr lang="zh-CN" sz="2800" dirty="0" smtClean="0">
+                <a:solidFill>
+                  <a:srgbClr val="000000"/>
+                </a:solidFill>
+              </a:rPr>
+              <a:t>的</a:t>
+            </a:r>
+            <a:r>
+              <a:rPr lang="zh-CN" altLang="en-US" sz="2800" dirty="0" smtClean="0">
+                <a:solidFill>
+                  <a:srgbClr val="000000"/>
+                </a:solidFill>
+              </a:rPr>
+              <a:t>重难点</a:t>
+            </a:r>
+            <a:r>
+              <a:rPr lang="zh-CN" altLang="en-US" sz="2800" dirty="0" smtClean="0">
+                <a:solidFill>
+                  <a:srgbClr val="000000"/>
+                </a:solidFill>
+              </a:rPr>
+              <a:t>，一直为</a:t>
+            </a:r>
+            <a:r>
+              <a:rPr lang="zh-CN" sz="2800" dirty="0" smtClean="0">
+                <a:solidFill>
+                  <a:srgbClr val="000000"/>
+                </a:solidFill>
+              </a:rPr>
+              <a:t>世界</a:t>
+            </a:r>
+            <a:r>
+              <a:rPr lang="zh-CN" sz="2800" dirty="0">
+                <a:solidFill>
+                  <a:srgbClr val="000000"/>
+                </a:solidFill>
+              </a:rPr>
+              <a:t>各地的数学家和</a:t>
+            </a:r>
+            <a:r>
+              <a:rPr lang="zh-CN" sz="2800" dirty="0" smtClean="0">
+                <a:solidFill>
+                  <a:srgbClr val="000000"/>
+                </a:solidFill>
+              </a:rPr>
+              <a:t>工程师</a:t>
+            </a:r>
+            <a:r>
+              <a:rPr lang="zh-CN" altLang="en-US" sz="2800" dirty="0" smtClean="0">
+                <a:solidFill>
+                  <a:srgbClr val="000000"/>
+                </a:solidFill>
+              </a:rPr>
+              <a:t>所着迷</a:t>
+            </a:r>
+            <a:r>
+              <a:rPr lang="zh-CN" sz="2800" dirty="0" smtClean="0">
+                <a:solidFill>
+                  <a:srgbClr val="000000"/>
+                </a:solidFill>
+              </a:rPr>
+              <a:t>。</a:t>
+            </a:r>
             <a:endParaRPr lang="zh-CN" sz="2800" dirty="0">
               <a:solidFill>
                 <a:srgbClr val="000000"/>
@@ -11315,20 +12371,19 @@
             </a:endParaRPr>
           </a:p>
           <a:p>
-            <a:r>
-              <a:rPr lang="en-US" altLang="zh-CN" sz="2800" dirty="0">
-                <a:solidFill>
-                  <a:srgbClr val="FF0000"/>
-                </a:solidFill>
-              </a:rPr>
+            <a:endParaRPr lang="zh-CN" sz="2800" dirty="0">
+              <a:solidFill>
+                <a:srgbClr val="000000"/>
+              </a:solidFill>
+            </a:endParaRPr>
+          </a:p>
+          <a:p>
+            <a:r>
+              <a:rPr lang="en-US" altLang="zh-CN" sz="2800" dirty="0"/>
               <a:t>load-flow </a:t>
             </a:r>
             <a:r>
-              <a:rPr lang="en-US" altLang="zh-CN" sz="2800" dirty="0" smtClean="0">
-                <a:solidFill>
-                  <a:srgbClr val="FF0000"/>
-                </a:solidFill>
-              </a:rPr>
+              <a:rPr lang="en-US" altLang="zh-CN" sz="2800" dirty="0" smtClean="0"/>
               <a:t>problem   </a:t>
             </a:r>
             <a:r>
@@ -11347,61 +12402,45 @@
           </a:p>
           <a:p>
             <a:r>
-              <a:rPr lang="zh-CN" sz="2800" dirty="0" smtClean="0">
-                <a:solidFill>
-                  <a:srgbClr val="FF0000"/>
-                </a:solidFill>
-              </a:rPr>
+              <a:rPr lang="zh-CN" sz="2800" dirty="0" smtClean="0"/>
               <a:t>fascinated</a:t>
             </a:r>
             <a:r>
-              <a:rPr lang="en-US" sz="2800" dirty="0" smtClean="0">
-                <a:solidFill>
-                  <a:srgbClr val="000000"/>
-                </a:solidFill>
-              </a:rPr>
+              <a:rPr lang="en-US" sz="2800" dirty="0" smtClean="0"/>
+              <a:t>  </a:t>
+            </a:r>
+            <a:r>
+              <a:rPr lang="en-US" altLang="zh-CN" sz="2800" dirty="0"/>
+              <a:t>/'fæsɪneɪt</a:t>
+            </a:r>
+            <a:r>
+              <a:rPr lang="en-US" altLang="zh-CN" sz="2800" dirty="0" smtClean="0"/>
+              <a:t>/</a:t>
+            </a:r>
+            <a:r>
+              <a:rPr lang="zh-CN" sz="2800" dirty="0" smtClean="0"/>
+              <a:t>着迷</a:t>
+            </a:r>
+            <a:r>
+              <a:rPr lang="zh-CN" sz="2800" dirty="0"/>
+              <a:t>的; 被深深吸引的</a:t>
+            </a:r>
+          </a:p>
+          <a:p>
+            <a:r>
+              <a:rPr lang="zh-CN" sz="2800" dirty="0" smtClean="0"/>
+              <a:t>throughout </a:t>
+            </a:r>
+            <a:r>
+              <a:rPr lang="zh-CN" sz="2800" dirty="0"/>
+              <a:t>the world</a:t>
+            </a:r>
+            <a:r>
+              <a:rPr lang="en-US" sz="2800" dirty="0"/>
               <a:t>   </a:t>
             </a:r>
             <a:r>
-              <a:rPr lang="zh-CN" sz="2800" dirty="0">
-                <a:solidFill>
-                  <a:srgbClr val="000000"/>
-                </a:solidFill>
-              </a:rPr>
-              <a:t>着迷的; 被深深吸引的</a:t>
-            </a:r>
-          </a:p>
-          <a:p>
-            <a:r>
-              <a:rPr lang="zh-CN" sz="2800" dirty="0" smtClean="0">
-                <a:solidFill>
-                  <a:srgbClr val="FF0000"/>
-                </a:solidFill>
-              </a:rPr>
-              <a:t>throughout </a:t>
-            </a:r>
-            <a:r>
-              <a:rPr lang="zh-CN" sz="2800" dirty="0">
-                <a:solidFill>
-                  <a:srgbClr val="FF0000"/>
-                </a:solidFill>
-              </a:rPr>
-              <a:t>the world</a:t>
-            </a:r>
-            <a:r>
-              <a:rPr lang="en-US" sz="2800" dirty="0">
-                <a:solidFill>
-                  <a:srgbClr val="FF0000"/>
-                </a:solidFill>
-              </a:rPr>
-              <a:t>   </a:t>
-            </a:r>
-            <a:r>
-              <a:rPr lang="zh-CN" sz="2800" dirty="0">
-                <a:solidFill>
-                  <a:srgbClr val="000000"/>
-                </a:solidFill>
-              </a:rPr>
+              <a:rPr lang="zh-CN" sz="2800" dirty="0"/>
               <a:t>全世界</a:t>
             </a:r>
           </a:p>
@@ -11888,7 +12927,7 @@
         </p:nvSpPr>
         <p:spPr>
           <a:xfrm>
-            <a:off x="301554" y="1076245"/>
+            <a:off x="301557" y="1076245"/>
             <a:ext cx="8540885" cy="1569660"/>
           </a:xfrm>
           <a:prstGeom prst="rect">
@@ -11909,67 +12948,31 @@
             </a:r>
             <a:r>
               <a:rPr lang="en-US" altLang="zh-CN" sz="2400" dirty="0"/>
-              <a:t>people have </a:t>
-            </a:r>
-            <a:r>
-              <a:rPr lang="en-US" altLang="zh-CN" sz="2400" dirty="0">
-                <a:solidFill>
-                  <a:srgbClr val="FF0000"/>
-                </a:solidFill>
-              </a:rPr>
-              <a:t>devoted</a:t>
+              <a:t>people </a:t>
+            </a:r>
+            <a:r>
+              <a:rPr lang="en-US" altLang="zh-CN" sz="2400" b="1" i="1" dirty="0">
+                <a:effectLst>
+                  <a:outerShdw blurRad="38100" dist="38100" dir="2700000" algn="tl">
+                    <a:srgbClr val="000000">
+                      <a:alpha val="43137"/>
+                    </a:srgbClr>
+                  </a:outerShdw>
+                </a:effectLst>
+              </a:rPr>
+              <a:t>have devoted</a:t>
             </a:r>
             <a:r>
               <a:rPr lang="en-US" altLang="zh-CN" sz="2400" dirty="0"/>
-              <a:t> a </a:t>
-            </a:r>
-            <a:r>
-              <a:rPr lang="en-US" altLang="zh-CN" sz="2400" dirty="0">
-                <a:solidFill>
-                  <a:srgbClr val="FF0000"/>
-                </a:solidFill>
-              </a:rPr>
-              <a:t>large proportion of </a:t>
+              <a:t> a large proportion of their professional life to the solution of the problem. It </a:t>
+            </a:r>
+            <a:r>
+              <a:rPr lang="en-US" altLang="zh-CN" sz="2400" b="1" i="1" dirty="0"/>
+              <a:t>has received</a:t>
             </a:r>
             <a:r>
               <a:rPr lang="en-US" altLang="zh-CN" sz="2400" dirty="0"/>
-              <a:t>their </a:t>
-            </a:r>
-            <a:r>
-              <a:rPr lang="en-US" altLang="zh-CN" sz="2400" dirty="0">
-                <a:solidFill>
-                  <a:srgbClr val="FF0000"/>
-                </a:solidFill>
-              </a:rPr>
-              <a:t>professional</a:t>
-            </a:r>
-            <a:r>
-              <a:rPr lang="en-US" altLang="zh-CN" sz="2400" dirty="0"/>
-              <a:t> life to the solution of the problem. It has </a:t>
-            </a:r>
-            <a:r>
-              <a:rPr lang="en-US" altLang="zh-CN" sz="2400" dirty="0">
-                <a:solidFill>
-                  <a:srgbClr val="FF0000"/>
-                </a:solidFill>
-              </a:rPr>
-              <a:t>received</a:t>
-            </a:r>
-            <a:r>
-              <a:rPr lang="en-US" altLang="zh-CN" sz="2400" dirty="0"/>
-              <a:t> more attention than all the other power-system problems </a:t>
-            </a:r>
-            <a:r>
-              <a:rPr lang="en-US" altLang="zh-CN" sz="2400" dirty="0">
-                <a:solidFill>
-                  <a:srgbClr val="FF0000"/>
-                </a:solidFill>
-              </a:rPr>
-              <a:t>combined</a:t>
-            </a:r>
-            <a:r>
-              <a:rPr lang="en-US" altLang="zh-CN" sz="2400" dirty="0"/>
-              <a:t>.</a:t>
+              <a:t> more attention than all the other power-system problems combined.</a:t>
             </a:r>
             <a:endParaRPr lang="zh-CN" altLang="zh-CN" sz="2400" dirty="0"/>
           </a:p>
@@ -12041,18 +13044,19 @@
       </p:sp>
       <p:sp>
         <p:nvSpPr>
-          <p:cNvPr id="1048713" name="TextBox 1048712"/>
+          <p:cNvPr id="2" name="TextBox 1"/>
           <p:cNvSpPr txBox="1"/>
           <p:nvPr/>
         </p:nvSpPr>
         <p:spPr>
           <a:xfrm>
-            <a:off x="301553" y="2590085"/>
-            <a:ext cx="8341320" cy="3970318"/>
+            <a:off x="301557" y="3078759"/>
+            <a:ext cx="7810151" cy="1661993"/>
           </a:xfrm>
           <a:prstGeom prst="rect">
             <a:avLst/>
           </a:prstGeom>
+          <a:noFill/>
         </p:spPr>
         <p:txBody>
           <a:bodyPr wrap="square" rtlCol="0">
@@ -12060,114 +13064,38 @@
           </a:bodyPr>
           <a:lstStyle/>
           <a:p>
-            <a:r>
-              <a:rPr lang="zh-CN" sz="2800" dirty="0">
+            <a:pPr lvl="0"/>
+            <a:r>
+              <a:rPr lang="zh-CN" altLang="en-US" sz="2800" dirty="0" smtClean="0">
                 <a:solidFill>
                   <a:srgbClr val="000000"/>
                 </a:solidFill>
               </a:rPr>
-              <a:t>许多人在职业生涯中投入了很大一部分精力来解决这个问题。它比所有其它电力系统问题加起来更受关注。</a:t>
-            </a:r>
-          </a:p>
-          <a:p>
-            <a:endParaRPr lang="zh-CN" sz="2800" dirty="0">
-              <a:solidFill>
-                <a:srgbClr val="000000"/>
-              </a:solidFill>
-            </a:endParaRPr>
-          </a:p>
-          <a:p>
-            <a:r>
-              <a:rPr lang="zh-CN" sz="2800" dirty="0">
-                <a:solidFill>
-                  <a:srgbClr val="FF0000"/>
-                </a:solidFill>
-              </a:rPr>
-              <a:t>devoted</a:t>
-            </a:r>
-            <a:r>
-              <a:rPr lang="en-US" sz="2800" dirty="0">
-                <a:solidFill>
-                  <a:srgbClr val="FF0000"/>
-                </a:solidFill>
-              </a:rPr>
-              <a:t> </a:t>
-            </a:r>
-            <a:r>
-              <a:rPr lang="zh-CN" sz="2800" dirty="0">
+              <a:t>为了</a:t>
+            </a:r>
+            <a:r>
+              <a:rPr lang="zh-CN" altLang="en-US" sz="2800" dirty="0">
                 <a:solidFill>
                   <a:srgbClr val="000000"/>
                 </a:solidFill>
               </a:rPr>
-              <a:t> 献身于…; 致力于…</a:t>
-            </a:r>
-          </a:p>
-          <a:p>
-            <a:r>
-              <a:rPr lang="zh-CN" sz="2800" dirty="0">
-                <a:solidFill>
-                  <a:srgbClr val="FF0000"/>
-                </a:solidFill>
-              </a:rPr>
-              <a:t>a large proportion of</a:t>
-            </a:r>
-            <a:r>
-              <a:rPr lang="en-US" sz="2800" dirty="0">
-                <a:solidFill>
-                  <a:srgbClr val="FF0000"/>
-                </a:solidFill>
-              </a:rPr>
-              <a:t>   </a:t>
-            </a:r>
-            <a:r>
-              <a:rPr lang="zh-CN" sz="2800" dirty="0">
+              <a:t>解决这个问题，许多人奉献了其</a:t>
+            </a:r>
+            <a:r>
+              <a:rPr lang="zh-CN" altLang="zh-CN" sz="2800" dirty="0">
                 <a:solidFill>
                   <a:srgbClr val="000000"/>
                 </a:solidFill>
               </a:rPr>
-              <a:t>一大部分</a:t>
-            </a:r>
-          </a:p>
-          <a:p>
-            <a:r>
-              <a:rPr lang="zh-CN" sz="2800" dirty="0">
-                <a:solidFill>
-                  <a:srgbClr val="FF0000"/>
-                </a:solidFill>
-              </a:rPr>
-              <a:t>professional</a:t>
-            </a:r>
-            <a:r>
-              <a:rPr lang="en-US" sz="2800" dirty="0">
-                <a:solidFill>
-                  <a:srgbClr val="FF0000"/>
-                </a:solidFill>
-              </a:rPr>
-              <a:t> </a:t>
-            </a:r>
-            <a:r>
-              <a:rPr lang="en-US" sz="2800" dirty="0">
+              <a:t>职业生涯</a:t>
+            </a:r>
+            <a:r>
+              <a:rPr lang="zh-CN" altLang="zh-CN" sz="2800" dirty="0" smtClean="0">
                 <a:solidFill>
                   <a:srgbClr val="000000"/>
                 </a:solidFill>
               </a:rPr>
-              <a:t> </a:t>
-            </a:r>
-            <a:r>
-              <a:rPr lang="zh-CN" sz="2800" dirty="0">
-                <a:solidFill>
-                  <a:srgbClr val="000000"/>
-                </a:solidFill>
-              </a:rPr>
-              <a:t>职业的; 专业性的; 专业</a:t>
-            </a:r>
-            <a:r>
-              <a:rPr lang="zh-CN" sz="2800" dirty="0" smtClean="0">
-                <a:solidFill>
-                  <a:srgbClr val="000000"/>
-                </a:solidFill>
-              </a:rPr>
-              <a:t>人士</a:t>
+              <a:t>中</a:t>
             </a:r>
             <a:endParaRPr lang="en-US" altLang="zh-CN" sz="2800" dirty="0" smtClean="0">
               <a:solidFill>
@@ -12176,63 +13104,42 @@
             </a:endParaRPr>
           </a:p>
           <a:p>
-            <a:r>
-              <a:rPr lang="en-US" altLang="zh-CN" sz="2800" dirty="0" smtClean="0">
-                <a:solidFill>
-                  <a:srgbClr val="FF0000"/>
-                </a:solidFill>
-              </a:rPr>
-              <a:t>Received  </a:t>
-            </a:r>
+            <a:pPr lvl="0"/>
             <a:r>
               <a:rPr lang="zh-CN" altLang="en-US" sz="2800" dirty="0" smtClean="0">
                 <a:solidFill>
-                  <a:srgbClr val="333333"/>
-                </a:solidFill>
-                <a:latin typeface="arial"/>
-              </a:rPr>
-              <a:t>接到</a:t>
+                  <a:srgbClr val="000000"/>
+                </a:solidFill>
+              </a:rPr>
+              <a:t>相当</a:t>
             </a:r>
             <a:r>
               <a:rPr lang="zh-CN" altLang="en-US" sz="2800" dirty="0">
                 <a:solidFill>
-                  <a:srgbClr val="333333"/>
-                </a:solidFill>
-                <a:latin typeface="arial"/>
-              </a:rPr>
-              <a:t>；收到</a:t>
-            </a:r>
-            <a:endParaRPr lang="zh-CN" sz="2800" dirty="0">
-              <a:solidFill>
-                <a:srgbClr val="000000"/>
-              </a:solidFill>
-            </a:endParaRPr>
-          </a:p>
-          <a:p>
-            <a:r>
-              <a:rPr lang="zh-CN" sz="2800" dirty="0" smtClean="0">
-                <a:solidFill>
-                  <a:srgbClr val="FF0000"/>
-                </a:solidFill>
-              </a:rPr>
-              <a:t>combined</a:t>
-            </a:r>
-            <a:r>
-              <a:rPr lang="en-US" sz="2800" dirty="0" smtClean="0">
-                <a:solidFill>
-                  <a:srgbClr val="FF0000"/>
-                </a:solidFill>
-              </a:rPr>
-              <a:t>  </a:t>
-            </a:r>
-            <a:r>
-              <a:rPr lang="zh-CN" sz="2800" dirty="0">
-                <a:solidFill>
                   <a:srgbClr val="000000"/>
                 </a:solidFill>
               </a:rPr>
-              <a:t>结合的; 组合的  </a:t>
-            </a:r>
+              <a:t>大的一部分</a:t>
+            </a:r>
+            <a:r>
+              <a:rPr lang="zh-CN" altLang="en-US" sz="2800" dirty="0" smtClean="0">
+                <a:solidFill>
+                  <a:srgbClr val="000000"/>
+                </a:solidFill>
+              </a:rPr>
+              <a:t>。这个问题比</a:t>
+            </a:r>
+            <a:r>
+              <a:rPr lang="zh-CN" altLang="en-US" sz="2800" dirty="0">
+                <a:solidFill>
+                  <a:srgbClr val="000000"/>
+                </a:solidFill>
+              </a:rPr>
+              <a:t>所有其它电力系统问题加起来更受关注。</a:t>
+            </a:r>
+          </a:p>
+          <a:p>
+            <a:endParaRPr lang="zh-CN" altLang="en-US" dirty="0"/>
           </a:p>
         </p:txBody>
       </p:sp>
@@ -12737,52 +13644,124 @@
               <a:t>The amount of effort </a:t>
             </a:r>
             <a:r>
-              <a:rPr lang="en-US" altLang="zh-CN" sz="2400" dirty="0">
-                <a:solidFill>
-                  <a:srgbClr val="FF0000"/>
-                </a:solidFill>
-              </a:rPr>
-              <a:t>devoted to </a:t>
+              <a:rPr lang="en-US" altLang="zh-CN" sz="2400" dirty="0" smtClean="0">
+                <a:solidFill>
+                  <a:schemeClr val="accent1">
+                    <a:lumMod val="75000"/>
+                  </a:schemeClr>
+                </a:solidFill>
+              </a:rPr>
+              <a:t>(</a:t>
+            </a:r>
+            <a:r>
+              <a:rPr lang="en-US" altLang="zh-CN" sz="2400" dirty="0" smtClean="0"/>
+              <a:t>devoted </a:t>
             </a:r>
             <a:r>
               <a:rPr lang="en-US" altLang="zh-CN" sz="2400" dirty="0"/>
-              <a:t>the problem has </a:t>
-            </a:r>
-            <a:r>
-              <a:rPr lang="en-US" altLang="zh-CN" sz="2400" dirty="0">
-                <a:solidFill>
-                  <a:srgbClr val="FF0000"/>
-                </a:solidFill>
-              </a:rPr>
-              <a:t>resulted </a:t>
+              <a:t>to the </a:t>
+            </a:r>
+            <a:r>
+              <a:rPr lang="en-US" altLang="zh-CN" sz="2400" dirty="0" smtClean="0"/>
+              <a:t>problem</a:t>
+            </a:r>
+            <a:r>
+              <a:rPr lang="en-US" altLang="zh-CN" sz="2400" dirty="0" smtClean="0">
+                <a:solidFill>
+                  <a:schemeClr val="accent1">
+                    <a:lumMod val="75000"/>
+                  </a:schemeClr>
+                </a:solidFill>
+              </a:rPr>
+              <a:t>)</a:t>
+            </a:r>
+            <a:r>
+              <a:rPr lang="en-US" altLang="zh-CN" sz="2400" dirty="0" smtClean="0"/>
+              <a:t> </a:t>
+            </a:r>
+            <a:r>
+              <a:rPr lang="en-US" altLang="zh-CN" sz="2400" b="1" i="1" dirty="0">
+                <a:effectLst>
+                  <a:outerShdw blurRad="38100" dist="38100" dir="2700000" algn="tl">
+                    <a:srgbClr val="000000">
+                      <a:alpha val="43137"/>
+                    </a:srgbClr>
+                  </a:outerShdw>
+                </a:effectLst>
+              </a:rPr>
+              <a:t>has</a:t>
             </a:r>
             <a:r>
               <a:rPr lang="en-US" altLang="zh-CN" sz="2400" dirty="0"/>
-              <a:t>in an enormous amount of technical publications. Readers interested in the many advancements in this </a:t>
-            </a:r>
-            <a:r>
-              <a:rPr lang="en-US" altLang="zh-CN" sz="2400" dirty="0">
-                <a:solidFill>
-                  <a:srgbClr val="FF0000"/>
-                </a:solidFill>
-              </a:rPr>
+              <a:t> </a:t>
+            </a:r>
+            <a:r>
+              <a:rPr lang="en-US" altLang="zh-CN" sz="2400" b="1" i="1" dirty="0">
+                <a:effectLst>
+                  <a:outerShdw blurRad="38100" dist="38100" dir="2700000" algn="tl">
+                    <a:srgbClr val="000000">
+                      <a:alpha val="43137"/>
+                    </a:srgbClr>
+                  </a:outerShdw>
+                </a:effectLst>
+              </a:rPr>
+              <a:t>resulted</a:t>
+            </a:r>
+            <a:r>
+              <a:rPr lang="en-US" altLang="zh-CN" sz="2400" dirty="0"/>
+              <a:t> in an enormous amount of technical publications. Readers </a:t>
+            </a:r>
+            <a:r>
+              <a:rPr lang="en-US" altLang="zh-CN" sz="2400" dirty="0" smtClean="0">
+                <a:solidFill>
+                  <a:schemeClr val="accent1">
+                    <a:lumMod val="75000"/>
+                  </a:schemeClr>
+                </a:solidFill>
+              </a:rPr>
+              <a:t>(</a:t>
+            </a:r>
+            <a:r>
+              <a:rPr lang="en-US" altLang="zh-CN" sz="2400" dirty="0" smtClean="0"/>
+              <a:t>interested </a:t>
+            </a:r>
+            <a:r>
+              <a:rPr lang="en-US" altLang="zh-CN" sz="2400" dirty="0"/>
+              <a:t>in the many advancements in this </a:t>
+            </a:r>
+            <a:r>
+              <a:rPr lang="en-US" altLang="zh-CN" sz="2400" dirty="0" smtClean="0"/>
               <a:t>field</a:t>
             </a:r>
             <a:r>
+              <a:rPr lang="en-US" altLang="zh-CN" sz="2400" dirty="0" smtClean="0">
+                <a:solidFill>
+                  <a:schemeClr val="accent1">
+                    <a:lumMod val="75000"/>
+                  </a:schemeClr>
+                </a:solidFill>
+              </a:rPr>
+              <a:t>)</a:t>
+            </a:r>
+            <a:r>
+              <a:rPr lang="en-US" altLang="zh-CN" sz="2400" dirty="0" smtClean="0"/>
+              <a:t> </a:t>
+            </a:r>
+            <a:r>
+              <a:rPr lang="en-US" altLang="zh-CN" sz="2400" b="1" i="1" dirty="0">
+                <a:effectLst>
+                  <a:outerShdw blurRad="38100" dist="38100" dir="2700000" algn="tl">
+                    <a:srgbClr val="000000">
+                      <a:alpha val="43137"/>
+                    </a:srgbClr>
+                  </a:outerShdw>
+                </a:effectLst>
+              </a:rPr>
+              <a:t>should study</a:t>
+            </a:r>
+            <a:r>
               <a:rPr lang="en-US" altLang="zh-CN" sz="2400" dirty="0"/>
-              <a:t> should study </a:t>
-            </a:r>
-            <a:r>
-              <a:rPr lang="en-US" altLang="zh-CN" sz="2400" dirty="0">
-                <a:solidFill>
-                  <a:srgbClr val="FF0000"/>
-                </a:solidFill>
-              </a:rPr>
-              <a:t>the past and current </a:t>
-            </a:r>
-            <a:r>
-              <a:rPr lang="en-US" altLang="zh-CN" sz="2400" dirty="0"/>
-              <a:t>technical publications. </a:t>
+              <a:t> the past and current technical publications. </a:t>
             </a:r>
             <a:endParaRPr lang="zh-CN" altLang="zh-CN" sz="2400" dirty="0"/>
           </a:p>
@@ -12861,7 +13840,7 @@
         <p:spPr>
           <a:xfrm>
             <a:off x="141046" y="3219450"/>
-            <a:ext cx="8567771" cy="3539430"/>
+            <a:ext cx="8567771" cy="1815882"/>
           </a:xfrm>
           <a:prstGeom prst="rect">
             <a:avLst/>
@@ -12882,12 +13861,52 @@
               <a:t>        </a:t>
             </a:r>
             <a:r>
+              <a:rPr lang="zh-CN" altLang="en-US" sz="2800" dirty="0" smtClean="0">
+                <a:solidFill>
+                  <a:srgbClr val="000000"/>
+                </a:solidFill>
+              </a:rPr>
+              <a:t>对</a:t>
+            </a:r>
+            <a:r>
               <a:rPr lang="zh-CN" sz="2800" dirty="0" smtClean="0">
                 <a:solidFill>
                   <a:srgbClr val="000000"/>
                 </a:solidFill>
               </a:rPr>
-              <a:t>投入</a:t>
+              <a:t>这个问题</a:t>
+            </a:r>
+            <a:r>
+              <a:rPr lang="zh-CN" altLang="en-US" sz="2800" dirty="0" smtClean="0">
+                <a:solidFill>
+                  <a:srgbClr val="000000"/>
+                </a:solidFill>
+              </a:rPr>
+              <a:t>的不懈努力</a:t>
+            </a:r>
+            <a:r>
+              <a:rPr lang="zh-CN" altLang="en-US" sz="2800" dirty="0" smtClean="0">
+                <a:solidFill>
+                  <a:srgbClr val="000000"/>
+                </a:solidFill>
+              </a:rPr>
+              <a:t>，</a:t>
+            </a:r>
+            <a:r>
+              <a:rPr lang="zh-CN" altLang="en-US" sz="2800" dirty="0">
+                <a:solidFill>
+                  <a:srgbClr val="000000"/>
+                </a:solidFill>
+              </a:rPr>
+              <a:t>使得</a:t>
+            </a:r>
+            <a:r>
+              <a:rPr lang="zh-CN" sz="2800" dirty="0" smtClean="0">
+                <a:solidFill>
+                  <a:srgbClr val="000000"/>
+                </a:solidFill>
+              </a:rPr>
+              <a:t>大量</a:t>
             </a:r>
             <a:r>
               <a:rPr lang="zh-CN" sz="2800" dirty="0">
@@ -12895,7 +13914,39 @@
                   <a:srgbClr val="000000"/>
                 </a:solidFill>
               </a:rPr>
-              <a:t>大量精力解决这个问题已经产生了大量的技术出版物。对这一领域的许多进步感兴趣的读者应该研究过去和现在的技术出版物</a:t>
+              <a:t>的技术出版</a:t>
+            </a:r>
+            <a:r>
+              <a:rPr lang="zh-CN" sz="2800" dirty="0" smtClean="0">
+                <a:solidFill>
+                  <a:srgbClr val="000000"/>
+                </a:solidFill>
+              </a:rPr>
+              <a:t>物</a:t>
+            </a:r>
+            <a:r>
+              <a:rPr lang="zh-CN" altLang="en-US" sz="2800" dirty="0" smtClean="0">
+                <a:solidFill>
+                  <a:srgbClr val="000000"/>
+                </a:solidFill>
+              </a:rPr>
+              <a:t>产出</a:t>
+            </a:r>
+            <a:r>
+              <a:rPr lang="zh-CN" sz="2800" dirty="0" smtClean="0">
+                <a:solidFill>
+                  <a:srgbClr val="000000"/>
+                </a:solidFill>
+              </a:rPr>
+              <a:t>。</a:t>
+            </a:r>
+            <a:r>
+              <a:rPr lang="zh-CN" sz="2800" dirty="0">
+                <a:solidFill>
+                  <a:srgbClr val="000000"/>
+                </a:solidFill>
+              </a:rPr>
+              <a:t>对这一领域的许多进步感兴趣的读者应该研究过去和现在的技术出版物</a:t>
             </a:r>
             <a:r>
               <a:rPr lang="zh-CN" sz="2800" dirty="0" smtClean="0">
@@ -12915,108 +13966,6 @@
             <a:endParaRPr lang="en-US" altLang="zh-CN" sz="2800" dirty="0" smtClean="0">
               <a:solidFill>
                 <a:srgbClr val="000000"/>
-              </a:solidFill>
-            </a:endParaRPr>
-          </a:p>
-          <a:p>
-            <a:r>
-              <a:rPr lang="en-US" altLang="zh-CN" sz="2800" dirty="0">
-                <a:solidFill>
-                  <a:srgbClr val="FF0000"/>
-                </a:solidFill>
-              </a:rPr>
-              <a:t>devoted </a:t>
-            </a:r>
-            <a:r>
-              <a:rPr lang="en-US" altLang="zh-CN" sz="2800" dirty="0" smtClean="0">
-                <a:solidFill>
-                  <a:srgbClr val="FF0000"/>
-                </a:solidFill>
-              </a:rPr>
-              <a:t>to  </a:t>
-            </a:r>
-            <a:r>
-              <a:rPr lang="zh-CN" altLang="en-US" sz="2800" dirty="0" smtClean="0"/>
-              <a:t>专心于</a:t>
-            </a:r>
-            <a:endParaRPr lang="en-US" altLang="zh-CN" sz="2800" dirty="0" smtClean="0"/>
-          </a:p>
-          <a:p>
-            <a:r>
-              <a:rPr lang="en-US" altLang="zh-CN" sz="2800" dirty="0" smtClean="0">
-                <a:solidFill>
-                  <a:srgbClr val="FF0000"/>
-                </a:solidFill>
-              </a:rPr>
-              <a:t>Resulted   </a:t>
-            </a:r>
-            <a:r>
-              <a:rPr lang="zh-CN" altLang="en-US" sz="2800" dirty="0">
-                <a:solidFill>
-                  <a:srgbClr val="FF0000"/>
-                </a:solidFill>
-              </a:rPr>
-              <a:t> </a:t>
-            </a:r>
-            <a:r>
-              <a:rPr lang="zh-CN" altLang="en-US" sz="2800" dirty="0" smtClean="0"/>
-              <a:t>导致；产生</a:t>
-            </a:r>
-            <a:endParaRPr lang="en-US" altLang="zh-CN" sz="2800" dirty="0" smtClean="0"/>
-          </a:p>
-          <a:p>
-            <a:r>
-              <a:rPr lang="en-US" altLang="zh-CN" sz="2800" dirty="0" smtClean="0">
-                <a:solidFill>
-                  <a:srgbClr val="FF0000"/>
-                </a:solidFill>
-              </a:rPr>
-              <a:t>Field  </a:t>
-            </a:r>
-            <a:r>
-              <a:rPr lang="zh-CN" altLang="en-US" sz="2800" dirty="0" smtClean="0"/>
-              <a:t>场；领域</a:t>
-            </a:r>
-            <a:endParaRPr lang="en-US" altLang="zh-CN" sz="2800" dirty="0" smtClean="0"/>
-          </a:p>
-          <a:p>
-            <a:r>
-              <a:rPr lang="en-US" altLang="zh-CN" sz="2800" dirty="0">
-                <a:solidFill>
-                  <a:srgbClr val="FF0000"/>
-                </a:solidFill>
-              </a:rPr>
-              <a:t>the past and </a:t>
-            </a:r>
-            <a:r>
-              <a:rPr lang="en-US" altLang="zh-CN" sz="2800" dirty="0" smtClean="0">
-                <a:solidFill>
-                  <a:srgbClr val="FF0000"/>
-                </a:solidFill>
-              </a:rPr>
-              <a:t>current   </a:t>
-            </a:r>
-            <a:r>
-              <a:rPr lang="zh-CN" altLang="en-US" sz="2800" dirty="0" smtClean="0">
-                <a:solidFill>
-                  <a:srgbClr val="333333"/>
-                </a:solidFill>
-                <a:latin typeface="Microsoft YaHei"/>
-              </a:rPr>
-              <a:t>过去</a:t>
-            </a:r>
-            <a:r>
-              <a:rPr lang="zh-CN" altLang="en-US" sz="2800" dirty="0">
-                <a:solidFill>
-                  <a:srgbClr val="333333"/>
-                </a:solidFill>
-                <a:latin typeface="Microsoft YaHei"/>
-              </a:rPr>
-              <a:t>和现在</a:t>
-            </a:r>
-            <a:endParaRPr lang="zh-CN" sz="2800" dirty="0">
-              <a:solidFill>
-                <a:srgbClr val="FF0000"/>
               </a:solidFill>
             </a:endParaRPr>
           </a:p>
@@ -13504,7 +14453,7 @@
         <p:spPr>
           <a:xfrm>
             <a:off x="301554" y="1076245"/>
-            <a:ext cx="8540885" cy="1513840"/>
+            <a:ext cx="8540885" cy="1569660"/>
           </a:xfrm>
           <a:prstGeom prst="rect">
             <a:avLst/>
@@ -13520,7 +14469,91 @@
             <a:pPr indent="457200" algn="just"/>
             <a:r>
               <a:rPr lang="en-US" altLang="zh-CN" sz="2400" dirty="0"/>
-              <a:t>The brief introduction given here is only intended to define the most elementary portion of the problem to the reader. The more important and sophisticated techniques would be out of place in such a simple introduction. </a:t>
+              <a:t>The brief introduction </a:t>
+            </a:r>
+            <a:r>
+              <a:rPr lang="en-US" altLang="zh-CN" sz="2400" dirty="0">
+                <a:solidFill>
+                  <a:schemeClr val="accent1">
+                    <a:lumMod val="75000"/>
+                  </a:schemeClr>
+                </a:solidFill>
+              </a:rPr>
+              <a:t>(</a:t>
+            </a:r>
+            <a:r>
+              <a:rPr lang="en-US" altLang="zh-CN" sz="2400" dirty="0" smtClean="0"/>
+              <a:t>given here</a:t>
+            </a:r>
+            <a:r>
+              <a:rPr lang="en-US" altLang="zh-CN" sz="2400" dirty="0" smtClean="0">
+                <a:solidFill>
+                  <a:schemeClr val="accent1">
+                    <a:lumMod val="75000"/>
+                  </a:schemeClr>
+                </a:solidFill>
+              </a:rPr>
+              <a:t>)</a:t>
+            </a:r>
+            <a:r>
+              <a:rPr lang="en-US" altLang="zh-CN" sz="2400" dirty="0" smtClean="0"/>
+              <a:t> </a:t>
+            </a:r>
+            <a:r>
+              <a:rPr lang="en-US" altLang="zh-CN" sz="2400" b="1" i="1" dirty="0">
+                <a:effectLst>
+                  <a:outerShdw blurRad="38100" dist="38100" dir="2700000" algn="tl">
+                    <a:srgbClr val="000000">
+                      <a:alpha val="43137"/>
+                    </a:srgbClr>
+                  </a:outerShdw>
+                </a:effectLst>
+              </a:rPr>
+              <a:t>is only intended</a:t>
+            </a:r>
+            <a:r>
+              <a:rPr lang="en-US" altLang="zh-CN" sz="2400" dirty="0"/>
+              <a:t> to define the most elementary portion of the problem to the reader. The more </a:t>
+            </a:r>
+            <a:r>
+              <a:rPr lang="en-US" altLang="zh-CN" sz="2400" u="sng" dirty="0"/>
+              <a:t>important</a:t>
+            </a:r>
+            <a:r>
+              <a:rPr lang="en-US" altLang="zh-CN" sz="2400" dirty="0"/>
+              <a:t> </a:t>
+            </a:r>
+            <a:r>
+              <a:rPr lang="en-US" altLang="zh-CN" sz="2400" i="1" dirty="0"/>
+              <a:t>and</a:t>
+            </a:r>
+            <a:r>
+              <a:rPr lang="en-US" altLang="zh-CN" sz="2400" dirty="0"/>
+              <a:t> </a:t>
+            </a:r>
+            <a:r>
+              <a:rPr lang="en-US" altLang="zh-CN" sz="2400" u="sng" dirty="0"/>
+              <a:t>sophisticated</a:t>
+            </a:r>
+            <a:r>
+              <a:rPr lang="en-US" altLang="zh-CN" sz="2400" dirty="0"/>
+              <a:t> techniques </a:t>
+            </a:r>
+            <a:r>
+              <a:rPr lang="en-US" altLang="zh-CN" sz="2400" b="1" i="1" dirty="0">
+                <a:effectLst>
+                  <a:outerShdw blurRad="38100" dist="38100" dir="2700000" algn="tl">
+                    <a:srgbClr val="000000">
+                      <a:alpha val="43137"/>
+                    </a:srgbClr>
+                  </a:outerShdw>
+                </a:effectLst>
+              </a:rPr>
+              <a:t>would be out of place</a:t>
+            </a:r>
+            <a:r>
+              <a:rPr lang="en-US" altLang="zh-CN" sz="2400" dirty="0"/>
+              <a:t> in such a simple introduction. </a:t>
             </a:r>
             <a:endParaRPr lang="zh-CN" altLang="zh-CN" sz="2400" dirty="0"/>
           </a:p>
@@ -13599,7 +14632,7 @@
         <p:spPr>
           <a:xfrm>
             <a:off x="164892" y="3219450"/>
-            <a:ext cx="8535273" cy="1348739"/>
+            <a:ext cx="8535273" cy="1384995"/>
           </a:xfrm>
           <a:prstGeom prst="rect">
             <a:avLst/>
@@ -13612,13 +14645,210 @@
           <a:lstStyle/>
           <a:p>
             <a:r>
-              <a:rPr lang="zh-CN" sz="2800">
+              <a:rPr lang="zh-CN" sz="2800" dirty="0">
                 <a:solidFill>
                   <a:srgbClr val="000000"/>
                 </a:solidFill>
               </a:rPr>
-              <a:t>这里给出的简短介绍仅用于向读者定义问题的最基本部分。更重要和更复杂的技术在这样一个简单的介绍中是不合适的。</a:t>
-            </a:r>
+              <a:t>这里给出</a:t>
+            </a:r>
+            <a:r>
+              <a:rPr lang="zh-CN" sz="2800" dirty="0" smtClean="0">
+                <a:solidFill>
+                  <a:srgbClr val="000000"/>
+                </a:solidFill>
+              </a:rPr>
+              <a:t>的</a:t>
+            </a:r>
+            <a:r>
+              <a:rPr lang="zh-CN" altLang="en-US" sz="2800" dirty="0">
+                <a:solidFill>
+                  <a:srgbClr val="000000"/>
+                </a:solidFill>
+              </a:rPr>
+              <a:t>简介</a:t>
+            </a:r>
+            <a:r>
+              <a:rPr lang="zh-CN" sz="2800" dirty="0" smtClean="0">
+                <a:solidFill>
+                  <a:srgbClr val="000000"/>
+                </a:solidFill>
+              </a:rPr>
+              <a:t>仅向读者</a:t>
+            </a:r>
+            <a:r>
+              <a:rPr lang="zh-CN" altLang="en-US" sz="2800" dirty="0" smtClean="0">
+                <a:solidFill>
+                  <a:srgbClr val="000000"/>
+                </a:solidFill>
+              </a:rPr>
+              <a:t>提供对</a:t>
+            </a:r>
+            <a:r>
+              <a:rPr lang="zh-CN" altLang="en-US" sz="2800" dirty="0" smtClean="0">
+                <a:solidFill>
+                  <a:srgbClr val="000000"/>
+                </a:solidFill>
+              </a:rPr>
+              <a:t>这个</a:t>
+            </a:r>
+            <a:r>
+              <a:rPr lang="zh-CN" sz="2800" dirty="0" smtClean="0">
+                <a:solidFill>
+                  <a:srgbClr val="000000"/>
+                </a:solidFill>
+              </a:rPr>
+              <a:t>问题最</a:t>
+            </a:r>
+            <a:r>
+              <a:rPr lang="zh-CN" sz="2800" dirty="0">
+                <a:solidFill>
+                  <a:srgbClr val="000000"/>
+                </a:solidFill>
+              </a:rPr>
+              <a:t>基本</a:t>
+            </a:r>
+            <a:r>
+              <a:rPr lang="zh-CN" sz="2800" dirty="0" smtClean="0">
+                <a:solidFill>
+                  <a:srgbClr val="000000"/>
+                </a:solidFill>
+              </a:rPr>
+              <a:t>部分</a:t>
+            </a:r>
+            <a:r>
+              <a:rPr lang="zh-CN" altLang="en-US" sz="2800" dirty="0" smtClean="0">
+                <a:solidFill>
+                  <a:srgbClr val="000000"/>
+                </a:solidFill>
+              </a:rPr>
+              <a:t>的定义</a:t>
+            </a:r>
+            <a:r>
+              <a:rPr lang="zh-CN" sz="2800" dirty="0" smtClean="0">
+                <a:solidFill>
+                  <a:srgbClr val="000000"/>
+                </a:solidFill>
+              </a:rPr>
+              <a:t>。</a:t>
+            </a:r>
+            <a:r>
+              <a:rPr lang="zh-CN" sz="2800" dirty="0">
+                <a:solidFill>
+                  <a:srgbClr val="000000"/>
+                </a:solidFill>
+              </a:rPr>
+              <a:t>更重要和更复杂的技术在这样一</a:t>
+            </a:r>
+            <a:r>
+              <a:rPr lang="zh-CN" sz="2800" dirty="0" smtClean="0">
+                <a:solidFill>
+                  <a:srgbClr val="000000"/>
+                </a:solidFill>
+              </a:rPr>
+              <a:t>个</a:t>
+            </a:r>
+            <a:r>
+              <a:rPr lang="zh-CN" altLang="en-US" sz="2800" dirty="0" smtClean="0">
+                <a:solidFill>
+                  <a:srgbClr val="000000"/>
+                </a:solidFill>
+              </a:rPr>
+              <a:t>简要</a:t>
+            </a:r>
+            <a:r>
+              <a:rPr lang="zh-CN" sz="2800" dirty="0" smtClean="0">
+                <a:solidFill>
+                  <a:srgbClr val="000000"/>
+                </a:solidFill>
+              </a:rPr>
+              <a:t>的</a:t>
+            </a:r>
+            <a:r>
+              <a:rPr lang="zh-CN" sz="2800" dirty="0">
+                <a:solidFill>
+                  <a:srgbClr val="000000"/>
+                </a:solidFill>
+              </a:rPr>
+              <a:t>介绍中是不合适的。</a:t>
+            </a:r>
+          </a:p>
+        </p:txBody>
+      </p:sp>
+      <p:sp>
+        <p:nvSpPr>
+          <p:cNvPr id="2" name="TextBox 1"/>
+          <p:cNvSpPr txBox="1"/>
+          <p:nvPr/>
+        </p:nvSpPr>
+        <p:spPr>
+          <a:xfrm>
+            <a:off x="361529" y="5056175"/>
+            <a:ext cx="5379934" cy="1384995"/>
+          </a:xfrm>
+          <a:prstGeom prst="rect">
+            <a:avLst/>
+          </a:prstGeom>
+          <a:noFill/>
+        </p:spPr>
+        <p:txBody>
+          <a:bodyPr wrap="none" rtlCol="0">
+            <a:spAutoFit/>
+          </a:bodyPr>
+          <a:lstStyle/>
+          <a:p>
+            <a:pPr lvl="0"/>
+            <a:r>
+              <a:rPr lang="en-US" altLang="zh-CN" sz="2800" dirty="0"/>
+              <a:t>Elementary   </a:t>
+            </a:r>
+            <a:r>
+              <a:rPr lang="zh-CN" altLang="en-US" sz="2800" dirty="0"/>
+              <a:t>基本的；初级的</a:t>
+            </a:r>
+            <a:endParaRPr lang="en-US" altLang="zh-CN" sz="2800" dirty="0"/>
+          </a:p>
+          <a:p>
+            <a:r>
+              <a:rPr lang="en-US" altLang="zh-CN" sz="2800" dirty="0" smtClean="0"/>
+              <a:t>Sophisticated</a:t>
+            </a:r>
+            <a:r>
+              <a:rPr lang="en-US" altLang="zh-CN" sz="2800" dirty="0"/>
+              <a:t> </a:t>
+            </a:r>
+            <a:r>
+              <a:rPr lang="en-US" altLang="zh-CN" sz="2800" dirty="0" smtClean="0"/>
+              <a:t> /</a:t>
+            </a:r>
+            <a:r>
+              <a:rPr lang="en-US" altLang="zh-CN" sz="2800" dirty="0"/>
+              <a:t>sə'fɪstɪketɪd</a:t>
+            </a:r>
+            <a:r>
+              <a:rPr lang="en-US" altLang="zh-CN" sz="2800" dirty="0" smtClean="0"/>
+              <a:t>/ </a:t>
+            </a:r>
+            <a:r>
+              <a:rPr lang="zh-CN" altLang="en-US" sz="2800" dirty="0" smtClean="0"/>
+              <a:t>复杂的</a:t>
+            </a:r>
+            <a:endParaRPr lang="en-US" altLang="zh-CN" sz="2800" dirty="0" smtClean="0"/>
+          </a:p>
+          <a:p>
+            <a:r>
+              <a:rPr lang="en-US" altLang="zh-CN" sz="2800" dirty="0"/>
+              <a:t>be out of </a:t>
+            </a:r>
+            <a:r>
+              <a:rPr lang="en-US" altLang="zh-CN" sz="2800" dirty="0" smtClean="0"/>
+              <a:t>  </a:t>
+            </a:r>
+            <a:r>
+              <a:rPr lang="zh-CN" altLang="en-US" sz="2800" dirty="0" smtClean="0"/>
+              <a:t>不适合</a:t>
+            </a:r>
+            <a:endParaRPr lang="zh-CN" altLang="en-US" sz="2800" dirty="0"/>
           </a:p>
         </p:txBody>
       </p:sp>
@@ -14104,7 +15334,7 @@
         <p:spPr>
           <a:xfrm>
             <a:off x="142614" y="967187"/>
-            <a:ext cx="8699826" cy="2580640"/>
+            <a:ext cx="8699826" cy="2308324"/>
           </a:xfrm>
           <a:prstGeom prst="rect">
             <a:avLst/>
@@ -14120,7 +15350,207 @@
             <a:pPr indent="457200" algn="just"/>
             <a:r>
               <a:rPr lang="en-US" altLang="zh-CN" sz="2400" dirty="0"/>
-              <a:t>The earliest load-flow method that came into general usage on digital computer was the Gauss-Seidel method. Although the Gauss-Seidel procedure is simpler and less demanding of computer capacity (such as memory), it does suffer from serious shortcomings, such as converging very slowly toward a solution for systems with a large number of buses and in some cases even failing to converge. </a:t>
+              <a:t>The earliest load-flow method </a:t>
+            </a:r>
+            <a:r>
+              <a:rPr lang="en-US" altLang="zh-CN" sz="2400" dirty="0" smtClean="0">
+                <a:solidFill>
+                  <a:schemeClr val="accent1">
+                    <a:lumMod val="75000"/>
+                  </a:schemeClr>
+                </a:solidFill>
+              </a:rPr>
+              <a:t>(</a:t>
+            </a:r>
+            <a:r>
+              <a:rPr lang="en-US" altLang="zh-CN" sz="2400" dirty="0" smtClean="0"/>
+              <a:t>that </a:t>
+            </a:r>
+            <a:r>
+              <a:rPr lang="en-US" altLang="zh-CN" sz="2400" dirty="0"/>
+              <a:t>came into general usage on digital </a:t>
+            </a:r>
+            <a:r>
+              <a:rPr lang="en-US" altLang="zh-CN" sz="2400" dirty="0" smtClean="0"/>
+              <a:t>computer</a:t>
+            </a:r>
+            <a:r>
+              <a:rPr lang="en-US" altLang="zh-CN" sz="2400" dirty="0" smtClean="0">
+                <a:solidFill>
+                  <a:schemeClr val="accent1">
+                    <a:lumMod val="75000"/>
+                  </a:schemeClr>
+                </a:solidFill>
+              </a:rPr>
+              <a:t>)</a:t>
+            </a:r>
+            <a:r>
+              <a:rPr lang="en-US" altLang="zh-CN" sz="2400" dirty="0" smtClean="0"/>
+              <a:t> </a:t>
+            </a:r>
+            <a:r>
+              <a:rPr lang="en-US" altLang="zh-CN" sz="2400" b="1" i="1" dirty="0">
+                <a:effectLst>
+                  <a:outerShdw blurRad="38100" dist="38100" dir="2700000" algn="tl">
+                    <a:srgbClr val="000000">
+                      <a:alpha val="43137"/>
+                    </a:srgbClr>
+                  </a:outerShdw>
+                </a:effectLst>
+              </a:rPr>
+              <a:t>was</a:t>
+            </a:r>
+            <a:r>
+              <a:rPr lang="en-US" altLang="zh-CN" sz="2400" dirty="0"/>
+              <a:t> the Gauss-Seidel method. Although the Gauss-Seidel procedure </a:t>
+            </a:r>
+            <a:r>
+              <a:rPr lang="en-US" altLang="zh-CN" sz="2400" b="1" i="1" dirty="0">
+                <a:effectLst>
+                  <a:outerShdw blurRad="38100" dist="38100" dir="2700000" algn="tl">
+                    <a:srgbClr val="000000">
+                      <a:alpha val="43137"/>
+                    </a:srgbClr>
+                  </a:outerShdw>
+                </a:effectLst>
+              </a:rPr>
+              <a:t>is</a:t>
+            </a:r>
+            <a:r>
+              <a:rPr lang="en-US" altLang="zh-CN" sz="2400" dirty="0"/>
+              <a:t> </a:t>
+            </a:r>
+            <a:r>
+              <a:rPr lang="en-US" altLang="zh-CN" sz="2400" u="sng" dirty="0"/>
+              <a:t>simpler</a:t>
+            </a:r>
+            <a:r>
+              <a:rPr lang="en-US" altLang="zh-CN" sz="2400" dirty="0"/>
+              <a:t> </a:t>
+            </a:r>
+            <a:r>
+              <a:rPr lang="en-US" altLang="zh-CN" sz="2400" i="1" dirty="0"/>
+              <a:t>and</a:t>
+            </a:r>
+            <a:r>
+              <a:rPr lang="en-US" altLang="zh-CN" sz="2400" dirty="0"/>
+              <a:t> </a:t>
+            </a:r>
+            <a:r>
+              <a:rPr lang="en-US" altLang="zh-CN" sz="2400" u="sng" dirty="0"/>
+              <a:t>less demanding of computer capacity (such as memory)</a:t>
+            </a:r>
+            <a:r>
+              <a:rPr lang="en-US" altLang="zh-CN" sz="2400" dirty="0"/>
+              <a:t>, it </a:t>
+            </a:r>
+            <a:r>
+              <a:rPr lang="en-US" altLang="zh-CN" sz="2400" b="1" i="1" dirty="0">
+                <a:effectLst>
+                  <a:outerShdw blurRad="38100" dist="38100" dir="2700000" algn="tl">
+                    <a:srgbClr val="000000">
+                      <a:alpha val="43137"/>
+                    </a:srgbClr>
+                  </a:outerShdw>
+                </a:effectLst>
+              </a:rPr>
+              <a:t>does suffer</a:t>
+            </a:r>
+            <a:r>
+              <a:rPr lang="en-US" altLang="zh-CN" sz="2400" dirty="0"/>
+              <a:t> from serious shortcomings, such as </a:t>
+            </a:r>
+            <a:r>
+              <a:rPr lang="en-US" altLang="zh-CN" sz="2400" u="sng" dirty="0"/>
+              <a:t>converging very slowly</a:t>
+            </a:r>
+            <a:r>
+              <a:rPr lang="en-US" altLang="zh-CN" sz="2400" dirty="0"/>
+              <a:t> </a:t>
+            </a:r>
+            <a:r>
+              <a:rPr lang="en-US" altLang="zh-CN" sz="2400" dirty="0" smtClean="0">
+                <a:solidFill>
+                  <a:schemeClr val="accent1">
+                    <a:lumMod val="75000"/>
+                  </a:schemeClr>
+                </a:solidFill>
+              </a:rPr>
+              <a:t>(</a:t>
+            </a:r>
+            <a:r>
+              <a:rPr lang="en-US" altLang="zh-CN" sz="2400" dirty="0" smtClean="0"/>
+              <a:t>toward </a:t>
+            </a:r>
+            <a:r>
+              <a:rPr lang="en-US" altLang="zh-CN" sz="2400" dirty="0"/>
+              <a:t>a solution for systems with a large number of </a:t>
+            </a:r>
+            <a:r>
+              <a:rPr lang="en-US" altLang="zh-CN" sz="2400" dirty="0" smtClean="0"/>
+              <a:t>buses</a:t>
+            </a:r>
+            <a:r>
+              <a:rPr lang="en-US" altLang="zh-CN" sz="2400" dirty="0" smtClean="0">
+                <a:solidFill>
+                  <a:schemeClr val="accent1">
+                    <a:lumMod val="75000"/>
+                  </a:schemeClr>
+                </a:solidFill>
+              </a:rPr>
+              <a:t>)</a:t>
+            </a:r>
+            <a:r>
+              <a:rPr lang="en-US" altLang="zh-CN" sz="2400" dirty="0" smtClean="0"/>
+              <a:t> </a:t>
+            </a:r>
+            <a:r>
+              <a:rPr lang="en-US" altLang="zh-CN" sz="2400" i="1" dirty="0"/>
+              <a:t>and</a:t>
+            </a:r>
+            <a:r>
+              <a:rPr lang="en-US" altLang="zh-CN" sz="2400" dirty="0"/>
+              <a:t> </a:t>
+            </a:r>
+            <a:r>
+              <a:rPr lang="en-US" altLang="zh-CN" sz="2400" dirty="0">
+                <a:solidFill>
+                  <a:schemeClr val="accent1">
+                    <a:lumMod val="75000"/>
+                  </a:schemeClr>
+                </a:solidFill>
+              </a:rPr>
+              <a:t>(</a:t>
+            </a:r>
+            <a:r>
+              <a:rPr lang="en-US" altLang="zh-CN" sz="2400" dirty="0" smtClean="0"/>
+              <a:t>in </a:t>
+            </a:r>
+            <a:r>
+              <a:rPr lang="en-US" altLang="zh-CN" sz="2400" dirty="0"/>
+              <a:t>some </a:t>
+            </a:r>
+            <a:r>
+              <a:rPr lang="en-US" altLang="zh-CN" sz="2400" dirty="0" smtClean="0"/>
+              <a:t>cases</a:t>
+            </a:r>
+            <a:r>
+              <a:rPr lang="en-US" altLang="zh-CN" sz="2400" dirty="0" smtClean="0">
+                <a:solidFill>
+                  <a:schemeClr val="accent1">
+                    <a:lumMod val="75000"/>
+                  </a:schemeClr>
+                </a:solidFill>
+              </a:rPr>
+              <a:t>) </a:t>
+            </a:r>
+            <a:r>
+              <a:rPr lang="en-US" altLang="zh-CN" sz="2400" u="sng" dirty="0"/>
+              <a:t>even failing to converge</a:t>
+            </a:r>
+            <a:r>
+              <a:rPr lang="en-US" altLang="zh-CN" sz="2400" dirty="0"/>
+              <a:t>. </a:t>
             </a:r>
             <a:endParaRPr lang="zh-CN" altLang="zh-CN" sz="2400" dirty="0"/>
           </a:p>
@@ -14212,7 +15642,7 @@
           <a:lstStyle/>
           <a:p>
             <a:r>
-              <a:rPr lang="en-US" sz="2800">
+              <a:rPr lang="en-US" sz="2800" dirty="0">
                 <a:solidFill>
                   <a:srgbClr val="000000"/>
                 </a:solidFill>
@@ -14220,7 +15650,7 @@
               <a:t>        </a:t>
             </a:r>
             <a:r>
-              <a:rPr lang="zh-CN" sz="2800">
+              <a:rPr lang="zh-CN" sz="2800" dirty="0">
                 <a:solidFill>
                   <a:srgbClr val="000000"/>
                 </a:solidFill>
